--- a/data/보고서 양식.pptx
+++ b/data/보고서 양식.pptx
@@ -7,14 +7,11 @@
   <p:sldIdLst>
     <p:sldId id="256" r:id="rId2"/>
     <p:sldId id="257" r:id="rId3"/>
-    <p:sldId id="260" r:id="rId4"/>
-    <p:sldId id="261" r:id="rId5"/>
-    <p:sldId id="262" r:id="rId6"/>
-    <p:sldId id="263" r:id="rId7"/>
-    <p:sldId id="264" r:id="rId8"/>
-    <p:sldId id="265" r:id="rId9"/>
-    <p:sldId id="258" r:id="rId10"/>
-    <p:sldId id="259" r:id="rId11"/>
+    <p:sldId id="258" r:id="rId4"/>
+    <p:sldId id="259" r:id="rId5"/>
+    <p:sldId id="260" r:id="rId6"/>
+    <p:sldId id="261" r:id="rId7"/>
+    <p:sldId id="262" r:id="rId8"/>
   </p:sldIdLst>
   <p:sldSz cx="12192000" cy="6858000"/>
   <p:notesSz cx="6858000" cy="9144000"/>
@@ -113,6 +110,11 @@
       </a:defRPr>
     </a:lvl9pPr>
   </p:defaultTextStyle>
+  <p:extLst>
+    <p:ext uri="{EFAFB233-063F-42B5-8137-9DF3F51BA10A}">
+      <p15:sldGuideLst xmlns:p15="http://schemas.microsoft.com/office/powerpoint/2012/main"/>
+    </p:ext>
+  </p:extLst>
 </p:presentation>
 </file>
 
@@ -263,7 +265,7 @@
           <a:p>
             <a:fld id="{FCDE12D8-C4E9-4DF6-B9EE-C1E2597188B0}" type="datetimeFigureOut">
               <a:rPr lang="ko-KR" altLang="en-US" smtClean="0"/>
-              <a:t>2023-09-15</a:t>
+              <a:t>2023-09-22</a:t>
             </a:fld>
             <a:endParaRPr lang="ko-KR" altLang="en-US"/>
           </a:p>
@@ -461,7 +463,7 @@
           <a:p>
             <a:fld id="{FCDE12D8-C4E9-4DF6-B9EE-C1E2597188B0}" type="datetimeFigureOut">
               <a:rPr lang="ko-KR" altLang="en-US" smtClean="0"/>
-              <a:t>2023-09-15</a:t>
+              <a:t>2023-09-22</a:t>
             </a:fld>
             <a:endParaRPr lang="ko-KR" altLang="en-US"/>
           </a:p>
@@ -669,7 +671,7 @@
           <a:p>
             <a:fld id="{FCDE12D8-C4E9-4DF6-B9EE-C1E2597188B0}" type="datetimeFigureOut">
               <a:rPr lang="ko-KR" altLang="en-US" smtClean="0"/>
-              <a:t>2023-09-15</a:t>
+              <a:t>2023-09-22</a:t>
             </a:fld>
             <a:endParaRPr lang="ko-KR" altLang="en-US"/>
           </a:p>
@@ -867,7 +869,7 @@
           <a:p>
             <a:fld id="{FCDE12D8-C4E9-4DF6-B9EE-C1E2597188B0}" type="datetimeFigureOut">
               <a:rPr lang="ko-KR" altLang="en-US" smtClean="0"/>
-              <a:t>2023-09-15</a:t>
+              <a:t>2023-09-22</a:t>
             </a:fld>
             <a:endParaRPr lang="ko-KR" altLang="en-US"/>
           </a:p>
@@ -1142,7 +1144,7 @@
           <a:p>
             <a:fld id="{FCDE12D8-C4E9-4DF6-B9EE-C1E2597188B0}" type="datetimeFigureOut">
               <a:rPr lang="ko-KR" altLang="en-US" smtClean="0"/>
-              <a:t>2023-09-15</a:t>
+              <a:t>2023-09-22</a:t>
             </a:fld>
             <a:endParaRPr lang="ko-KR" altLang="en-US"/>
           </a:p>
@@ -1407,7 +1409,7 @@
           <a:p>
             <a:fld id="{FCDE12D8-C4E9-4DF6-B9EE-C1E2597188B0}" type="datetimeFigureOut">
               <a:rPr lang="ko-KR" altLang="en-US" smtClean="0"/>
-              <a:t>2023-09-15</a:t>
+              <a:t>2023-09-22</a:t>
             </a:fld>
             <a:endParaRPr lang="ko-KR" altLang="en-US"/>
           </a:p>
@@ -1819,7 +1821,7 @@
           <a:p>
             <a:fld id="{FCDE12D8-C4E9-4DF6-B9EE-C1E2597188B0}" type="datetimeFigureOut">
               <a:rPr lang="ko-KR" altLang="en-US" smtClean="0"/>
-              <a:t>2023-09-15</a:t>
+              <a:t>2023-09-22</a:t>
             </a:fld>
             <a:endParaRPr lang="ko-KR" altLang="en-US"/>
           </a:p>
@@ -1960,7 +1962,7 @@
           <a:p>
             <a:fld id="{FCDE12D8-C4E9-4DF6-B9EE-C1E2597188B0}" type="datetimeFigureOut">
               <a:rPr lang="ko-KR" altLang="en-US" smtClean="0"/>
-              <a:t>2023-09-15</a:t>
+              <a:t>2023-09-22</a:t>
             </a:fld>
             <a:endParaRPr lang="ko-KR" altLang="en-US"/>
           </a:p>
@@ -2073,7 +2075,7 @@
           <a:p>
             <a:fld id="{FCDE12D8-C4E9-4DF6-B9EE-C1E2597188B0}" type="datetimeFigureOut">
               <a:rPr lang="ko-KR" altLang="en-US" smtClean="0"/>
-              <a:t>2023-09-15</a:t>
+              <a:t>2023-09-22</a:t>
             </a:fld>
             <a:endParaRPr lang="ko-KR" altLang="en-US"/>
           </a:p>
@@ -2384,7 +2386,7 @@
           <a:p>
             <a:fld id="{FCDE12D8-C4E9-4DF6-B9EE-C1E2597188B0}" type="datetimeFigureOut">
               <a:rPr lang="ko-KR" altLang="en-US" smtClean="0"/>
-              <a:t>2023-09-15</a:t>
+              <a:t>2023-09-22</a:t>
             </a:fld>
             <a:endParaRPr lang="ko-KR" altLang="en-US"/>
           </a:p>
@@ -2672,7 +2674,7 @@
           <a:p>
             <a:fld id="{FCDE12D8-C4E9-4DF6-B9EE-C1E2597188B0}" type="datetimeFigureOut">
               <a:rPr lang="ko-KR" altLang="en-US" smtClean="0"/>
-              <a:t>2023-09-15</a:t>
+              <a:t>2023-09-22</a:t>
             </a:fld>
             <a:endParaRPr lang="ko-KR" altLang="en-US"/>
           </a:p>
@@ -2913,7 +2915,7 @@
           <a:p>
             <a:fld id="{FCDE12D8-C4E9-4DF6-B9EE-C1E2597188B0}" type="datetimeFigureOut">
               <a:rPr lang="ko-KR" altLang="en-US" smtClean="0"/>
-              <a:t>2023-09-15</a:t>
+              <a:t>2023-09-22</a:t>
             </a:fld>
             <a:endParaRPr lang="ko-KR" altLang="en-US"/>
           </a:p>
@@ -3408,72 +3410,139 @@
           </a:p>
         </p:txBody>
       </p:sp>
+      <p:grpSp>
+        <p:nvGrpSpPr>
+          <p:cNvPr id="4" name="그룹 3">
+            <a:extLst>
+              <a:ext uri="{FF2B5EF4-FFF2-40B4-BE49-F238E27FC236}">
+                <a16:creationId xmlns:a16="http://schemas.microsoft.com/office/drawing/2014/main" id="{F9E13940-5210-90EF-D84F-28BC138D2E79}"/>
+              </a:ext>
+            </a:extLst>
+          </p:cNvPr>
+          <p:cNvGrpSpPr/>
+          <p:nvPr/>
+        </p:nvGrpSpPr>
+        <p:grpSpPr>
+          <a:xfrm>
+            <a:off x="2833437" y="356733"/>
+            <a:ext cx="6599321" cy="5798457"/>
+            <a:chOff x="2833437" y="356733"/>
+            <a:chExt cx="6599321" cy="5798457"/>
+          </a:xfrm>
+        </p:grpSpPr>
+        <p:sp>
+          <p:nvSpPr>
+            <p:cNvPr id="5" name="화살표: 왼쪽/오른쪽/위쪽/아래쪽 4">
+              <a:extLst>
+                <a:ext uri="{FF2B5EF4-FFF2-40B4-BE49-F238E27FC236}">
+                  <a16:creationId xmlns:a16="http://schemas.microsoft.com/office/drawing/2014/main" id="{2606D949-D377-CA67-41DE-73ACA09D6E17}"/>
+                </a:ext>
+              </a:extLst>
+            </p:cNvPr>
+            <p:cNvSpPr/>
+            <p:nvPr/>
+          </p:nvSpPr>
+          <p:spPr>
+            <a:xfrm>
+              <a:off x="3193143" y="356733"/>
+              <a:ext cx="6037943" cy="5798457"/>
+            </a:xfrm>
+            <a:prstGeom prst="quadArrow">
+              <a:avLst/>
+            </a:prstGeom>
+            <a:solidFill>
+              <a:srgbClr val="4472C4">
+                <a:alpha val="12157"/>
+              </a:srgbClr>
+            </a:solidFill>
+            <a:ln>
+              <a:noFill/>
+            </a:ln>
+          </p:spPr>
+          <p:style>
+            <a:lnRef idx="2">
+              <a:schemeClr val="accent1">
+                <a:shade val="15000"/>
+              </a:schemeClr>
+            </a:lnRef>
+            <a:fillRef idx="1">
+              <a:schemeClr val="accent1"/>
+            </a:fillRef>
+            <a:effectRef idx="0">
+              <a:schemeClr val="accent1"/>
+            </a:effectRef>
+            <a:fontRef idx="minor">
+              <a:schemeClr val="lt1"/>
+            </a:fontRef>
+          </p:style>
+          <p:txBody>
+            <a:bodyPr rtlCol="0" anchor="ctr"/>
+            <a:lstStyle/>
+            <a:p>
+              <a:pPr algn="ctr"/>
+              <a:endParaRPr lang="ko-KR" altLang="en-US"/>
+            </a:p>
+          </p:txBody>
+        </p:sp>
+        <p:sp>
+          <p:nvSpPr>
+            <p:cNvPr id="6" name="곱하기 기호 5">
+              <a:extLst>
+                <a:ext uri="{FF2B5EF4-FFF2-40B4-BE49-F238E27FC236}">
+                  <a16:creationId xmlns:a16="http://schemas.microsoft.com/office/drawing/2014/main" id="{1FCC8D52-AA7D-3052-BD0B-E7670A36508E}"/>
+                </a:ext>
+              </a:extLst>
+            </p:cNvPr>
+            <p:cNvSpPr/>
+            <p:nvPr/>
+          </p:nvSpPr>
+          <p:spPr>
+            <a:xfrm>
+              <a:off x="2833437" y="547437"/>
+              <a:ext cx="6599321" cy="5607753"/>
+            </a:xfrm>
+            <a:prstGeom prst="mathMultiply">
+              <a:avLst/>
+            </a:prstGeom>
+            <a:solidFill>
+              <a:srgbClr val="9FE325">
+                <a:alpha val="25098"/>
+              </a:srgbClr>
+            </a:solidFill>
+            <a:ln>
+              <a:noFill/>
+            </a:ln>
+          </p:spPr>
+          <p:style>
+            <a:lnRef idx="2">
+              <a:schemeClr val="accent1">
+                <a:shade val="15000"/>
+              </a:schemeClr>
+            </a:lnRef>
+            <a:fillRef idx="1">
+              <a:schemeClr val="accent1"/>
+            </a:fillRef>
+            <a:effectRef idx="0">
+              <a:schemeClr val="accent1"/>
+            </a:effectRef>
+            <a:fontRef idx="minor">
+              <a:schemeClr val="lt1"/>
+            </a:fontRef>
+          </p:style>
+          <p:txBody>
+            <a:bodyPr rtlCol="0" anchor="ctr"/>
+            <a:lstStyle/>
+            <a:p>
+              <a:pPr algn="ctr"/>
+              <a:endParaRPr lang="ko-KR" altLang="en-US"/>
+            </a:p>
+          </p:txBody>
+        </p:sp>
+      </p:grpSp>
     </p:spTree>
     <p:extLst>
       <p:ext uri="{BB962C8B-B14F-4D97-AF65-F5344CB8AC3E}">
         <p14:creationId xmlns:p14="http://schemas.microsoft.com/office/powerpoint/2010/main" val="3022166832"/>
-      </p:ext>
-    </p:extLst>
-  </p:cSld>
-  <p:clrMapOvr>
-    <a:masterClrMapping/>
-  </p:clrMapOvr>
-</p:sld>
-</file>
-
-<file path=ppt/slides/slide10.xml><?xml version="1.0" encoding="utf-8"?>
-<p:sld xmlns:a="http://schemas.openxmlformats.org/drawingml/2006/main" xmlns:r="http://schemas.openxmlformats.org/officeDocument/2006/relationships" xmlns:p="http://schemas.openxmlformats.org/presentationml/2006/main">
-  <p:cSld>
-    <p:spTree>
-      <p:nvGrpSpPr>
-        <p:cNvPr id="1" name=""/>
-        <p:cNvGrpSpPr/>
-        <p:nvPr/>
-      </p:nvGrpSpPr>
-      <p:grpSpPr>
-        <a:xfrm>
-          <a:off x="0" y="0"/>
-          <a:ext cx="0" cy="0"/>
-          <a:chOff x="0" y="0"/>
-          <a:chExt cx="0" cy="0"/>
-        </a:xfrm>
-      </p:grpSpPr>
-      <p:sp>
-        <p:nvSpPr>
-          <p:cNvPr id="2" name="제목 1">
-            <a:extLst>
-              <a:ext uri="{FF2B5EF4-FFF2-40B4-BE49-F238E27FC236}">
-                <a16:creationId xmlns:a16="http://schemas.microsoft.com/office/drawing/2014/main" id="{75ED4288-2D7A-0223-2B31-EBD3F94B52E0}"/>
-              </a:ext>
-            </a:extLst>
-          </p:cNvPr>
-          <p:cNvSpPr>
-            <a:spLocks noGrp="1"/>
-          </p:cNvSpPr>
-          <p:nvPr>
-            <p:ph type="title"/>
-          </p:nvPr>
-        </p:nvSpPr>
-        <p:spPr>
-          <a:xfrm>
-            <a:off x="838200" y="0"/>
-            <a:ext cx="10515600" cy="587829"/>
-          </a:xfrm>
-        </p:spPr>
-        <p:txBody>
-          <a:bodyPr>
-            <a:normAutofit/>
-          </a:bodyPr>
-          <a:lstStyle/>
-          <a:p>
-            <a:endParaRPr lang="ko-KR" altLang="en-US" sz="2800" dirty="0"/>
-          </a:p>
-        </p:txBody>
-      </p:sp>
-    </p:spTree>
-    <p:extLst>
-      <p:ext uri="{BB962C8B-B14F-4D97-AF65-F5344CB8AC3E}">
-        <p14:creationId xmlns:p14="http://schemas.microsoft.com/office/powerpoint/2010/main" val="2364378782"/>
       </p:ext>
     </p:extLst>
   </p:cSld>
@@ -3532,6 +3601,135 @@
           </a:p>
         </p:txBody>
       </p:sp>
+      <p:grpSp>
+        <p:nvGrpSpPr>
+          <p:cNvPr id="3" name="그룹 2">
+            <a:extLst>
+              <a:ext uri="{FF2B5EF4-FFF2-40B4-BE49-F238E27FC236}">
+                <a16:creationId xmlns:a16="http://schemas.microsoft.com/office/drawing/2014/main" id="{D5C7AC1E-6701-5E71-746F-AB5F25312826}"/>
+              </a:ext>
+            </a:extLst>
+          </p:cNvPr>
+          <p:cNvGrpSpPr/>
+          <p:nvPr/>
+        </p:nvGrpSpPr>
+        <p:grpSpPr>
+          <a:xfrm>
+            <a:off x="2833437" y="356733"/>
+            <a:ext cx="6599321" cy="5798457"/>
+            <a:chOff x="2833437" y="356733"/>
+            <a:chExt cx="6599321" cy="5798457"/>
+          </a:xfrm>
+        </p:grpSpPr>
+        <p:sp>
+          <p:nvSpPr>
+            <p:cNvPr id="4" name="화살표: 왼쪽/오른쪽/위쪽/아래쪽 3">
+              <a:extLst>
+                <a:ext uri="{FF2B5EF4-FFF2-40B4-BE49-F238E27FC236}">
+                  <a16:creationId xmlns:a16="http://schemas.microsoft.com/office/drawing/2014/main" id="{D69D694E-119E-8DF9-915A-75B5B577E389}"/>
+                </a:ext>
+              </a:extLst>
+            </p:cNvPr>
+            <p:cNvSpPr/>
+            <p:nvPr/>
+          </p:nvSpPr>
+          <p:spPr>
+            <a:xfrm>
+              <a:off x="3193143" y="356733"/>
+              <a:ext cx="6037943" cy="5798457"/>
+            </a:xfrm>
+            <a:prstGeom prst="quadArrow">
+              <a:avLst/>
+            </a:prstGeom>
+            <a:solidFill>
+              <a:srgbClr val="4472C4">
+                <a:alpha val="12157"/>
+              </a:srgbClr>
+            </a:solidFill>
+            <a:ln>
+              <a:noFill/>
+            </a:ln>
+          </p:spPr>
+          <p:style>
+            <a:lnRef idx="2">
+              <a:schemeClr val="accent1">
+                <a:shade val="15000"/>
+              </a:schemeClr>
+            </a:lnRef>
+            <a:fillRef idx="1">
+              <a:schemeClr val="accent1"/>
+            </a:fillRef>
+            <a:effectRef idx="0">
+              <a:schemeClr val="accent1"/>
+            </a:effectRef>
+            <a:fontRef idx="minor">
+              <a:schemeClr val="lt1"/>
+            </a:fontRef>
+          </p:style>
+          <p:txBody>
+            <a:bodyPr rtlCol="0" anchor="ctr"/>
+            <a:lstStyle/>
+            <a:p>
+              <a:pPr algn="ctr"/>
+              <a:endParaRPr lang="ko-KR" altLang="en-US"/>
+            </a:p>
+          </p:txBody>
+        </p:sp>
+        <p:sp>
+          <p:nvSpPr>
+            <p:cNvPr id="5" name="곱하기 기호 4">
+              <a:extLst>
+                <a:ext uri="{FF2B5EF4-FFF2-40B4-BE49-F238E27FC236}">
+                  <a16:creationId xmlns:a16="http://schemas.microsoft.com/office/drawing/2014/main" id="{A3706F79-F1FA-3E88-BA0C-08CB0C14C115}"/>
+                </a:ext>
+              </a:extLst>
+            </p:cNvPr>
+            <p:cNvSpPr/>
+            <p:nvPr/>
+          </p:nvSpPr>
+          <p:spPr>
+            <a:xfrm>
+              <a:off x="2833437" y="547437"/>
+              <a:ext cx="6599321" cy="5607753"/>
+            </a:xfrm>
+            <a:prstGeom prst="mathMultiply">
+              <a:avLst/>
+            </a:prstGeom>
+            <a:solidFill>
+              <a:srgbClr val="9FE325">
+                <a:alpha val="25098"/>
+              </a:srgbClr>
+            </a:solidFill>
+            <a:ln>
+              <a:noFill/>
+            </a:ln>
+          </p:spPr>
+          <p:style>
+            <a:lnRef idx="2">
+              <a:schemeClr val="accent1">
+                <a:shade val="15000"/>
+              </a:schemeClr>
+            </a:lnRef>
+            <a:fillRef idx="1">
+              <a:schemeClr val="accent1"/>
+            </a:fillRef>
+            <a:effectRef idx="0">
+              <a:schemeClr val="accent1"/>
+            </a:effectRef>
+            <a:fontRef idx="minor">
+              <a:schemeClr val="lt1"/>
+            </a:fontRef>
+          </p:style>
+          <p:txBody>
+            <a:bodyPr rtlCol="0" anchor="ctr"/>
+            <a:lstStyle/>
+            <a:p>
+              <a:pPr algn="ctr"/>
+              <a:endParaRPr lang="ko-KR" altLang="en-US"/>
+            </a:p>
+          </p:txBody>
+        </p:sp>
+      </p:grpSp>
     </p:spTree>
     <p:extLst>
       <p:ext uri="{BB962C8B-B14F-4D97-AF65-F5344CB8AC3E}">
@@ -3594,10 +3792,139 @@
           </a:p>
         </p:txBody>
       </p:sp>
+      <p:grpSp>
+        <p:nvGrpSpPr>
+          <p:cNvPr id="3" name="그룹 2">
+            <a:extLst>
+              <a:ext uri="{FF2B5EF4-FFF2-40B4-BE49-F238E27FC236}">
+                <a16:creationId xmlns:a16="http://schemas.microsoft.com/office/drawing/2014/main" id="{D5C7AC1E-6701-5E71-746F-AB5F25312826}"/>
+              </a:ext>
+            </a:extLst>
+          </p:cNvPr>
+          <p:cNvGrpSpPr/>
+          <p:nvPr/>
+        </p:nvGrpSpPr>
+        <p:grpSpPr>
+          <a:xfrm>
+            <a:off x="2833437" y="356733"/>
+            <a:ext cx="6599321" cy="5798457"/>
+            <a:chOff x="2833437" y="356733"/>
+            <a:chExt cx="6599321" cy="5798457"/>
+          </a:xfrm>
+        </p:grpSpPr>
+        <p:sp>
+          <p:nvSpPr>
+            <p:cNvPr id="4" name="화살표: 왼쪽/오른쪽/위쪽/아래쪽 3">
+              <a:extLst>
+                <a:ext uri="{FF2B5EF4-FFF2-40B4-BE49-F238E27FC236}">
+                  <a16:creationId xmlns:a16="http://schemas.microsoft.com/office/drawing/2014/main" id="{D69D694E-119E-8DF9-915A-75B5B577E389}"/>
+                </a:ext>
+              </a:extLst>
+            </p:cNvPr>
+            <p:cNvSpPr/>
+            <p:nvPr/>
+          </p:nvSpPr>
+          <p:spPr>
+            <a:xfrm>
+              <a:off x="3193143" y="356733"/>
+              <a:ext cx="6037943" cy="5798457"/>
+            </a:xfrm>
+            <a:prstGeom prst="quadArrow">
+              <a:avLst/>
+            </a:prstGeom>
+            <a:solidFill>
+              <a:srgbClr val="4472C4">
+                <a:alpha val="12157"/>
+              </a:srgbClr>
+            </a:solidFill>
+            <a:ln>
+              <a:noFill/>
+            </a:ln>
+          </p:spPr>
+          <p:style>
+            <a:lnRef idx="2">
+              <a:schemeClr val="accent1">
+                <a:shade val="15000"/>
+              </a:schemeClr>
+            </a:lnRef>
+            <a:fillRef idx="1">
+              <a:schemeClr val="accent1"/>
+            </a:fillRef>
+            <a:effectRef idx="0">
+              <a:schemeClr val="accent1"/>
+            </a:effectRef>
+            <a:fontRef idx="minor">
+              <a:schemeClr val="lt1"/>
+            </a:fontRef>
+          </p:style>
+          <p:txBody>
+            <a:bodyPr rtlCol="0" anchor="ctr"/>
+            <a:lstStyle/>
+            <a:p>
+              <a:pPr algn="ctr"/>
+              <a:endParaRPr lang="ko-KR" altLang="en-US"/>
+            </a:p>
+          </p:txBody>
+        </p:sp>
+        <p:sp>
+          <p:nvSpPr>
+            <p:cNvPr id="5" name="곱하기 기호 4">
+              <a:extLst>
+                <a:ext uri="{FF2B5EF4-FFF2-40B4-BE49-F238E27FC236}">
+                  <a16:creationId xmlns:a16="http://schemas.microsoft.com/office/drawing/2014/main" id="{A3706F79-F1FA-3E88-BA0C-08CB0C14C115}"/>
+                </a:ext>
+              </a:extLst>
+            </p:cNvPr>
+            <p:cNvSpPr/>
+            <p:nvPr/>
+          </p:nvSpPr>
+          <p:spPr>
+            <a:xfrm>
+              <a:off x="2833437" y="547437"/>
+              <a:ext cx="6599321" cy="5607753"/>
+            </a:xfrm>
+            <a:prstGeom prst="mathMultiply">
+              <a:avLst/>
+            </a:prstGeom>
+            <a:solidFill>
+              <a:srgbClr val="9FE325">
+                <a:alpha val="25098"/>
+              </a:srgbClr>
+            </a:solidFill>
+            <a:ln>
+              <a:noFill/>
+            </a:ln>
+          </p:spPr>
+          <p:style>
+            <a:lnRef idx="2">
+              <a:schemeClr val="accent1">
+                <a:shade val="15000"/>
+              </a:schemeClr>
+            </a:lnRef>
+            <a:fillRef idx="1">
+              <a:schemeClr val="accent1"/>
+            </a:fillRef>
+            <a:effectRef idx="0">
+              <a:schemeClr val="accent1"/>
+            </a:effectRef>
+            <a:fontRef idx="minor">
+              <a:schemeClr val="lt1"/>
+            </a:fontRef>
+          </p:style>
+          <p:txBody>
+            <a:bodyPr rtlCol="0" anchor="ctr"/>
+            <a:lstStyle/>
+            <a:p>
+              <a:pPr algn="ctr"/>
+              <a:endParaRPr lang="ko-KR" altLang="en-US"/>
+            </a:p>
+          </p:txBody>
+        </p:sp>
+      </p:grpSp>
     </p:spTree>
     <p:extLst>
       <p:ext uri="{BB962C8B-B14F-4D97-AF65-F5344CB8AC3E}">
-        <p14:creationId xmlns:p14="http://schemas.microsoft.com/office/powerpoint/2010/main" val="4171517671"/>
+        <p14:creationId xmlns:p14="http://schemas.microsoft.com/office/powerpoint/2010/main" val="3111082839"/>
       </p:ext>
     </p:extLst>
   </p:cSld>
@@ -3656,10 +3983,139 @@
           </a:p>
         </p:txBody>
       </p:sp>
+      <p:grpSp>
+        <p:nvGrpSpPr>
+          <p:cNvPr id="3" name="그룹 2">
+            <a:extLst>
+              <a:ext uri="{FF2B5EF4-FFF2-40B4-BE49-F238E27FC236}">
+                <a16:creationId xmlns:a16="http://schemas.microsoft.com/office/drawing/2014/main" id="{D5C7AC1E-6701-5E71-746F-AB5F25312826}"/>
+              </a:ext>
+            </a:extLst>
+          </p:cNvPr>
+          <p:cNvGrpSpPr/>
+          <p:nvPr/>
+        </p:nvGrpSpPr>
+        <p:grpSpPr>
+          <a:xfrm>
+            <a:off x="2833437" y="356733"/>
+            <a:ext cx="6599321" cy="5798457"/>
+            <a:chOff x="2833437" y="356733"/>
+            <a:chExt cx="6599321" cy="5798457"/>
+          </a:xfrm>
+        </p:grpSpPr>
+        <p:sp>
+          <p:nvSpPr>
+            <p:cNvPr id="4" name="화살표: 왼쪽/오른쪽/위쪽/아래쪽 3">
+              <a:extLst>
+                <a:ext uri="{FF2B5EF4-FFF2-40B4-BE49-F238E27FC236}">
+                  <a16:creationId xmlns:a16="http://schemas.microsoft.com/office/drawing/2014/main" id="{D69D694E-119E-8DF9-915A-75B5B577E389}"/>
+                </a:ext>
+              </a:extLst>
+            </p:cNvPr>
+            <p:cNvSpPr/>
+            <p:nvPr/>
+          </p:nvSpPr>
+          <p:spPr>
+            <a:xfrm>
+              <a:off x="3193143" y="356733"/>
+              <a:ext cx="6037943" cy="5798457"/>
+            </a:xfrm>
+            <a:prstGeom prst="quadArrow">
+              <a:avLst/>
+            </a:prstGeom>
+            <a:solidFill>
+              <a:srgbClr val="4472C4">
+                <a:alpha val="12157"/>
+              </a:srgbClr>
+            </a:solidFill>
+            <a:ln>
+              <a:noFill/>
+            </a:ln>
+          </p:spPr>
+          <p:style>
+            <a:lnRef idx="2">
+              <a:schemeClr val="accent1">
+                <a:shade val="15000"/>
+              </a:schemeClr>
+            </a:lnRef>
+            <a:fillRef idx="1">
+              <a:schemeClr val="accent1"/>
+            </a:fillRef>
+            <a:effectRef idx="0">
+              <a:schemeClr val="accent1"/>
+            </a:effectRef>
+            <a:fontRef idx="minor">
+              <a:schemeClr val="lt1"/>
+            </a:fontRef>
+          </p:style>
+          <p:txBody>
+            <a:bodyPr rtlCol="0" anchor="ctr"/>
+            <a:lstStyle/>
+            <a:p>
+              <a:pPr algn="ctr"/>
+              <a:endParaRPr lang="ko-KR" altLang="en-US"/>
+            </a:p>
+          </p:txBody>
+        </p:sp>
+        <p:sp>
+          <p:nvSpPr>
+            <p:cNvPr id="5" name="곱하기 기호 4">
+              <a:extLst>
+                <a:ext uri="{FF2B5EF4-FFF2-40B4-BE49-F238E27FC236}">
+                  <a16:creationId xmlns:a16="http://schemas.microsoft.com/office/drawing/2014/main" id="{A3706F79-F1FA-3E88-BA0C-08CB0C14C115}"/>
+                </a:ext>
+              </a:extLst>
+            </p:cNvPr>
+            <p:cNvSpPr/>
+            <p:nvPr/>
+          </p:nvSpPr>
+          <p:spPr>
+            <a:xfrm>
+              <a:off x="2833437" y="547437"/>
+              <a:ext cx="6599321" cy="5607753"/>
+            </a:xfrm>
+            <a:prstGeom prst="mathMultiply">
+              <a:avLst/>
+            </a:prstGeom>
+            <a:solidFill>
+              <a:srgbClr val="9FE325">
+                <a:alpha val="25098"/>
+              </a:srgbClr>
+            </a:solidFill>
+            <a:ln>
+              <a:noFill/>
+            </a:ln>
+          </p:spPr>
+          <p:style>
+            <a:lnRef idx="2">
+              <a:schemeClr val="accent1">
+                <a:shade val="15000"/>
+              </a:schemeClr>
+            </a:lnRef>
+            <a:fillRef idx="1">
+              <a:schemeClr val="accent1"/>
+            </a:fillRef>
+            <a:effectRef idx="0">
+              <a:schemeClr val="accent1"/>
+            </a:effectRef>
+            <a:fontRef idx="minor">
+              <a:schemeClr val="lt1"/>
+            </a:fontRef>
+          </p:style>
+          <p:txBody>
+            <a:bodyPr rtlCol="0" anchor="ctr"/>
+            <a:lstStyle/>
+            <a:p>
+              <a:pPr algn="ctr"/>
+              <a:endParaRPr lang="ko-KR" altLang="en-US"/>
+            </a:p>
+          </p:txBody>
+        </p:sp>
+      </p:grpSp>
     </p:spTree>
     <p:extLst>
       <p:ext uri="{BB962C8B-B14F-4D97-AF65-F5344CB8AC3E}">
-        <p14:creationId xmlns:p14="http://schemas.microsoft.com/office/powerpoint/2010/main" val="1436889032"/>
+        <p14:creationId xmlns:p14="http://schemas.microsoft.com/office/powerpoint/2010/main" val="848235143"/>
       </p:ext>
     </p:extLst>
   </p:cSld>
@@ -3718,10 +4174,139 @@
           </a:p>
         </p:txBody>
       </p:sp>
+      <p:grpSp>
+        <p:nvGrpSpPr>
+          <p:cNvPr id="3" name="그룹 2">
+            <a:extLst>
+              <a:ext uri="{FF2B5EF4-FFF2-40B4-BE49-F238E27FC236}">
+                <a16:creationId xmlns:a16="http://schemas.microsoft.com/office/drawing/2014/main" id="{D5C7AC1E-6701-5E71-746F-AB5F25312826}"/>
+              </a:ext>
+            </a:extLst>
+          </p:cNvPr>
+          <p:cNvGrpSpPr/>
+          <p:nvPr/>
+        </p:nvGrpSpPr>
+        <p:grpSpPr>
+          <a:xfrm>
+            <a:off x="2833437" y="356733"/>
+            <a:ext cx="6599321" cy="5798457"/>
+            <a:chOff x="2833437" y="356733"/>
+            <a:chExt cx="6599321" cy="5798457"/>
+          </a:xfrm>
+        </p:grpSpPr>
+        <p:sp>
+          <p:nvSpPr>
+            <p:cNvPr id="4" name="화살표: 왼쪽/오른쪽/위쪽/아래쪽 3">
+              <a:extLst>
+                <a:ext uri="{FF2B5EF4-FFF2-40B4-BE49-F238E27FC236}">
+                  <a16:creationId xmlns:a16="http://schemas.microsoft.com/office/drawing/2014/main" id="{D69D694E-119E-8DF9-915A-75B5B577E389}"/>
+                </a:ext>
+              </a:extLst>
+            </p:cNvPr>
+            <p:cNvSpPr/>
+            <p:nvPr/>
+          </p:nvSpPr>
+          <p:spPr>
+            <a:xfrm>
+              <a:off x="3193143" y="356733"/>
+              <a:ext cx="6037943" cy="5798457"/>
+            </a:xfrm>
+            <a:prstGeom prst="quadArrow">
+              <a:avLst/>
+            </a:prstGeom>
+            <a:solidFill>
+              <a:srgbClr val="4472C4">
+                <a:alpha val="12157"/>
+              </a:srgbClr>
+            </a:solidFill>
+            <a:ln>
+              <a:noFill/>
+            </a:ln>
+          </p:spPr>
+          <p:style>
+            <a:lnRef idx="2">
+              <a:schemeClr val="accent1">
+                <a:shade val="15000"/>
+              </a:schemeClr>
+            </a:lnRef>
+            <a:fillRef idx="1">
+              <a:schemeClr val="accent1"/>
+            </a:fillRef>
+            <a:effectRef idx="0">
+              <a:schemeClr val="accent1"/>
+            </a:effectRef>
+            <a:fontRef idx="minor">
+              <a:schemeClr val="lt1"/>
+            </a:fontRef>
+          </p:style>
+          <p:txBody>
+            <a:bodyPr rtlCol="0" anchor="ctr"/>
+            <a:lstStyle/>
+            <a:p>
+              <a:pPr algn="ctr"/>
+              <a:endParaRPr lang="ko-KR" altLang="en-US"/>
+            </a:p>
+          </p:txBody>
+        </p:sp>
+        <p:sp>
+          <p:nvSpPr>
+            <p:cNvPr id="5" name="곱하기 기호 4">
+              <a:extLst>
+                <a:ext uri="{FF2B5EF4-FFF2-40B4-BE49-F238E27FC236}">
+                  <a16:creationId xmlns:a16="http://schemas.microsoft.com/office/drawing/2014/main" id="{A3706F79-F1FA-3E88-BA0C-08CB0C14C115}"/>
+                </a:ext>
+              </a:extLst>
+            </p:cNvPr>
+            <p:cNvSpPr/>
+            <p:nvPr/>
+          </p:nvSpPr>
+          <p:spPr>
+            <a:xfrm>
+              <a:off x="2833437" y="547437"/>
+              <a:ext cx="6599321" cy="5607753"/>
+            </a:xfrm>
+            <a:prstGeom prst="mathMultiply">
+              <a:avLst/>
+            </a:prstGeom>
+            <a:solidFill>
+              <a:srgbClr val="9FE325">
+                <a:alpha val="25098"/>
+              </a:srgbClr>
+            </a:solidFill>
+            <a:ln>
+              <a:noFill/>
+            </a:ln>
+          </p:spPr>
+          <p:style>
+            <a:lnRef idx="2">
+              <a:schemeClr val="accent1">
+                <a:shade val="15000"/>
+              </a:schemeClr>
+            </a:lnRef>
+            <a:fillRef idx="1">
+              <a:schemeClr val="accent1"/>
+            </a:fillRef>
+            <a:effectRef idx="0">
+              <a:schemeClr val="accent1"/>
+            </a:effectRef>
+            <a:fontRef idx="minor">
+              <a:schemeClr val="lt1"/>
+            </a:fontRef>
+          </p:style>
+          <p:txBody>
+            <a:bodyPr rtlCol="0" anchor="ctr"/>
+            <a:lstStyle/>
+            <a:p>
+              <a:pPr algn="ctr"/>
+              <a:endParaRPr lang="ko-KR" altLang="en-US"/>
+            </a:p>
+          </p:txBody>
+        </p:sp>
+      </p:grpSp>
     </p:spTree>
     <p:extLst>
       <p:ext uri="{BB962C8B-B14F-4D97-AF65-F5344CB8AC3E}">
-        <p14:creationId xmlns:p14="http://schemas.microsoft.com/office/powerpoint/2010/main" val="1920258050"/>
+        <p14:creationId xmlns:p14="http://schemas.microsoft.com/office/powerpoint/2010/main" val="1803831321"/>
       </p:ext>
     </p:extLst>
   </p:cSld>
@@ -3780,10 +4365,139 @@
           </a:p>
         </p:txBody>
       </p:sp>
+      <p:grpSp>
+        <p:nvGrpSpPr>
+          <p:cNvPr id="3" name="그룹 2">
+            <a:extLst>
+              <a:ext uri="{FF2B5EF4-FFF2-40B4-BE49-F238E27FC236}">
+                <a16:creationId xmlns:a16="http://schemas.microsoft.com/office/drawing/2014/main" id="{D5C7AC1E-6701-5E71-746F-AB5F25312826}"/>
+              </a:ext>
+            </a:extLst>
+          </p:cNvPr>
+          <p:cNvGrpSpPr/>
+          <p:nvPr/>
+        </p:nvGrpSpPr>
+        <p:grpSpPr>
+          <a:xfrm>
+            <a:off x="2833437" y="356733"/>
+            <a:ext cx="6599321" cy="5798457"/>
+            <a:chOff x="2833437" y="356733"/>
+            <a:chExt cx="6599321" cy="5798457"/>
+          </a:xfrm>
+        </p:grpSpPr>
+        <p:sp>
+          <p:nvSpPr>
+            <p:cNvPr id="4" name="화살표: 왼쪽/오른쪽/위쪽/아래쪽 3">
+              <a:extLst>
+                <a:ext uri="{FF2B5EF4-FFF2-40B4-BE49-F238E27FC236}">
+                  <a16:creationId xmlns:a16="http://schemas.microsoft.com/office/drawing/2014/main" id="{D69D694E-119E-8DF9-915A-75B5B577E389}"/>
+                </a:ext>
+              </a:extLst>
+            </p:cNvPr>
+            <p:cNvSpPr/>
+            <p:nvPr/>
+          </p:nvSpPr>
+          <p:spPr>
+            <a:xfrm>
+              <a:off x="3193143" y="356733"/>
+              <a:ext cx="6037943" cy="5798457"/>
+            </a:xfrm>
+            <a:prstGeom prst="quadArrow">
+              <a:avLst/>
+            </a:prstGeom>
+            <a:solidFill>
+              <a:srgbClr val="4472C4">
+                <a:alpha val="12157"/>
+              </a:srgbClr>
+            </a:solidFill>
+            <a:ln>
+              <a:noFill/>
+            </a:ln>
+          </p:spPr>
+          <p:style>
+            <a:lnRef idx="2">
+              <a:schemeClr val="accent1">
+                <a:shade val="15000"/>
+              </a:schemeClr>
+            </a:lnRef>
+            <a:fillRef idx="1">
+              <a:schemeClr val="accent1"/>
+            </a:fillRef>
+            <a:effectRef idx="0">
+              <a:schemeClr val="accent1"/>
+            </a:effectRef>
+            <a:fontRef idx="minor">
+              <a:schemeClr val="lt1"/>
+            </a:fontRef>
+          </p:style>
+          <p:txBody>
+            <a:bodyPr rtlCol="0" anchor="ctr"/>
+            <a:lstStyle/>
+            <a:p>
+              <a:pPr algn="ctr"/>
+              <a:endParaRPr lang="ko-KR" altLang="en-US"/>
+            </a:p>
+          </p:txBody>
+        </p:sp>
+        <p:sp>
+          <p:nvSpPr>
+            <p:cNvPr id="5" name="곱하기 기호 4">
+              <a:extLst>
+                <a:ext uri="{FF2B5EF4-FFF2-40B4-BE49-F238E27FC236}">
+                  <a16:creationId xmlns:a16="http://schemas.microsoft.com/office/drawing/2014/main" id="{A3706F79-F1FA-3E88-BA0C-08CB0C14C115}"/>
+                </a:ext>
+              </a:extLst>
+            </p:cNvPr>
+            <p:cNvSpPr/>
+            <p:nvPr/>
+          </p:nvSpPr>
+          <p:spPr>
+            <a:xfrm>
+              <a:off x="2833437" y="547437"/>
+              <a:ext cx="6599321" cy="5607753"/>
+            </a:xfrm>
+            <a:prstGeom prst="mathMultiply">
+              <a:avLst/>
+            </a:prstGeom>
+            <a:solidFill>
+              <a:srgbClr val="9FE325">
+                <a:alpha val="25098"/>
+              </a:srgbClr>
+            </a:solidFill>
+            <a:ln>
+              <a:noFill/>
+            </a:ln>
+          </p:spPr>
+          <p:style>
+            <a:lnRef idx="2">
+              <a:schemeClr val="accent1">
+                <a:shade val="15000"/>
+              </a:schemeClr>
+            </a:lnRef>
+            <a:fillRef idx="1">
+              <a:schemeClr val="accent1"/>
+            </a:fillRef>
+            <a:effectRef idx="0">
+              <a:schemeClr val="accent1"/>
+            </a:effectRef>
+            <a:fontRef idx="minor">
+              <a:schemeClr val="lt1"/>
+            </a:fontRef>
+          </p:style>
+          <p:txBody>
+            <a:bodyPr rtlCol="0" anchor="ctr"/>
+            <a:lstStyle/>
+            <a:p>
+              <a:pPr algn="ctr"/>
+              <a:endParaRPr lang="ko-KR" altLang="en-US"/>
+            </a:p>
+          </p:txBody>
+        </p:sp>
+      </p:grpSp>
     </p:spTree>
     <p:extLst>
       <p:ext uri="{BB962C8B-B14F-4D97-AF65-F5344CB8AC3E}">
-        <p14:creationId xmlns:p14="http://schemas.microsoft.com/office/powerpoint/2010/main" val="3387417484"/>
+        <p14:creationId xmlns:p14="http://schemas.microsoft.com/office/powerpoint/2010/main" val="151967886"/>
       </p:ext>
     </p:extLst>
   </p:cSld>
@@ -3842,134 +4556,139 @@
           </a:p>
         </p:txBody>
       </p:sp>
+      <p:grpSp>
+        <p:nvGrpSpPr>
+          <p:cNvPr id="3" name="그룹 2">
+            <a:extLst>
+              <a:ext uri="{FF2B5EF4-FFF2-40B4-BE49-F238E27FC236}">
+                <a16:creationId xmlns:a16="http://schemas.microsoft.com/office/drawing/2014/main" id="{D5C7AC1E-6701-5E71-746F-AB5F25312826}"/>
+              </a:ext>
+            </a:extLst>
+          </p:cNvPr>
+          <p:cNvGrpSpPr/>
+          <p:nvPr/>
+        </p:nvGrpSpPr>
+        <p:grpSpPr>
+          <a:xfrm>
+            <a:off x="2833437" y="356733"/>
+            <a:ext cx="6599321" cy="5798457"/>
+            <a:chOff x="2833437" y="356733"/>
+            <a:chExt cx="6599321" cy="5798457"/>
+          </a:xfrm>
+        </p:grpSpPr>
+        <p:sp>
+          <p:nvSpPr>
+            <p:cNvPr id="4" name="화살표: 왼쪽/오른쪽/위쪽/아래쪽 3">
+              <a:extLst>
+                <a:ext uri="{FF2B5EF4-FFF2-40B4-BE49-F238E27FC236}">
+                  <a16:creationId xmlns:a16="http://schemas.microsoft.com/office/drawing/2014/main" id="{D69D694E-119E-8DF9-915A-75B5B577E389}"/>
+                </a:ext>
+              </a:extLst>
+            </p:cNvPr>
+            <p:cNvSpPr/>
+            <p:nvPr/>
+          </p:nvSpPr>
+          <p:spPr>
+            <a:xfrm>
+              <a:off x="3193143" y="356733"/>
+              <a:ext cx="6037943" cy="5798457"/>
+            </a:xfrm>
+            <a:prstGeom prst="quadArrow">
+              <a:avLst/>
+            </a:prstGeom>
+            <a:solidFill>
+              <a:srgbClr val="4472C4">
+                <a:alpha val="12157"/>
+              </a:srgbClr>
+            </a:solidFill>
+            <a:ln>
+              <a:noFill/>
+            </a:ln>
+          </p:spPr>
+          <p:style>
+            <a:lnRef idx="2">
+              <a:schemeClr val="accent1">
+                <a:shade val="15000"/>
+              </a:schemeClr>
+            </a:lnRef>
+            <a:fillRef idx="1">
+              <a:schemeClr val="accent1"/>
+            </a:fillRef>
+            <a:effectRef idx="0">
+              <a:schemeClr val="accent1"/>
+            </a:effectRef>
+            <a:fontRef idx="minor">
+              <a:schemeClr val="lt1"/>
+            </a:fontRef>
+          </p:style>
+          <p:txBody>
+            <a:bodyPr rtlCol="0" anchor="ctr"/>
+            <a:lstStyle/>
+            <a:p>
+              <a:pPr algn="ctr"/>
+              <a:endParaRPr lang="ko-KR" altLang="en-US"/>
+            </a:p>
+          </p:txBody>
+        </p:sp>
+        <p:sp>
+          <p:nvSpPr>
+            <p:cNvPr id="5" name="곱하기 기호 4">
+              <a:extLst>
+                <a:ext uri="{FF2B5EF4-FFF2-40B4-BE49-F238E27FC236}">
+                  <a16:creationId xmlns:a16="http://schemas.microsoft.com/office/drawing/2014/main" id="{A3706F79-F1FA-3E88-BA0C-08CB0C14C115}"/>
+                </a:ext>
+              </a:extLst>
+            </p:cNvPr>
+            <p:cNvSpPr/>
+            <p:nvPr/>
+          </p:nvSpPr>
+          <p:spPr>
+            <a:xfrm>
+              <a:off x="2833437" y="547437"/>
+              <a:ext cx="6599321" cy="5607753"/>
+            </a:xfrm>
+            <a:prstGeom prst="mathMultiply">
+              <a:avLst/>
+            </a:prstGeom>
+            <a:solidFill>
+              <a:srgbClr val="9FE325">
+                <a:alpha val="25098"/>
+              </a:srgbClr>
+            </a:solidFill>
+            <a:ln>
+              <a:noFill/>
+            </a:ln>
+          </p:spPr>
+          <p:style>
+            <a:lnRef idx="2">
+              <a:schemeClr val="accent1">
+                <a:shade val="15000"/>
+              </a:schemeClr>
+            </a:lnRef>
+            <a:fillRef idx="1">
+              <a:schemeClr val="accent1"/>
+            </a:fillRef>
+            <a:effectRef idx="0">
+              <a:schemeClr val="accent1"/>
+            </a:effectRef>
+            <a:fontRef idx="minor">
+              <a:schemeClr val="lt1"/>
+            </a:fontRef>
+          </p:style>
+          <p:txBody>
+            <a:bodyPr rtlCol="0" anchor="ctr"/>
+            <a:lstStyle/>
+            <a:p>
+              <a:pPr algn="ctr"/>
+              <a:endParaRPr lang="ko-KR" altLang="en-US"/>
+            </a:p>
+          </p:txBody>
+        </p:sp>
+      </p:grpSp>
     </p:spTree>
     <p:extLst>
       <p:ext uri="{BB962C8B-B14F-4D97-AF65-F5344CB8AC3E}">
-        <p14:creationId xmlns:p14="http://schemas.microsoft.com/office/powerpoint/2010/main" val="2982209463"/>
-      </p:ext>
-    </p:extLst>
-  </p:cSld>
-  <p:clrMapOvr>
-    <a:masterClrMapping/>
-  </p:clrMapOvr>
-</p:sld>
-</file>
-
-<file path=ppt/slides/slide8.xml><?xml version="1.0" encoding="utf-8"?>
-<p:sld xmlns:a="http://schemas.openxmlformats.org/drawingml/2006/main" xmlns:r="http://schemas.openxmlformats.org/officeDocument/2006/relationships" xmlns:p="http://schemas.openxmlformats.org/presentationml/2006/main">
-  <p:cSld>
-    <p:spTree>
-      <p:nvGrpSpPr>
-        <p:cNvPr id="1" name=""/>
-        <p:cNvGrpSpPr/>
-        <p:nvPr/>
-      </p:nvGrpSpPr>
-      <p:grpSpPr>
-        <a:xfrm>
-          <a:off x="0" y="0"/>
-          <a:ext cx="0" cy="0"/>
-          <a:chOff x="0" y="0"/>
-          <a:chExt cx="0" cy="0"/>
-        </a:xfrm>
-      </p:grpSpPr>
-      <p:sp>
-        <p:nvSpPr>
-          <p:cNvPr id="2" name="제목 1">
-            <a:extLst>
-              <a:ext uri="{FF2B5EF4-FFF2-40B4-BE49-F238E27FC236}">
-                <a16:creationId xmlns:a16="http://schemas.microsoft.com/office/drawing/2014/main" id="{75ED4288-2D7A-0223-2B31-EBD3F94B52E0}"/>
-              </a:ext>
-            </a:extLst>
-          </p:cNvPr>
-          <p:cNvSpPr>
-            <a:spLocks noGrp="1"/>
-          </p:cNvSpPr>
-          <p:nvPr>
-            <p:ph type="title"/>
-          </p:nvPr>
-        </p:nvSpPr>
-        <p:spPr>
-          <a:xfrm>
-            <a:off x="838200" y="0"/>
-            <a:ext cx="10515600" cy="587829"/>
-          </a:xfrm>
-        </p:spPr>
-        <p:txBody>
-          <a:bodyPr>
-            <a:normAutofit/>
-          </a:bodyPr>
-          <a:lstStyle/>
-          <a:p>
-            <a:endParaRPr lang="ko-KR" altLang="en-US" sz="2800" dirty="0"/>
-          </a:p>
-        </p:txBody>
-      </p:sp>
-    </p:spTree>
-    <p:extLst>
-      <p:ext uri="{BB962C8B-B14F-4D97-AF65-F5344CB8AC3E}">
-        <p14:creationId xmlns:p14="http://schemas.microsoft.com/office/powerpoint/2010/main" val="1465605945"/>
-      </p:ext>
-    </p:extLst>
-  </p:cSld>
-  <p:clrMapOvr>
-    <a:masterClrMapping/>
-  </p:clrMapOvr>
-</p:sld>
-</file>
-
-<file path=ppt/slides/slide9.xml><?xml version="1.0" encoding="utf-8"?>
-<p:sld xmlns:a="http://schemas.openxmlformats.org/drawingml/2006/main" xmlns:r="http://schemas.openxmlformats.org/officeDocument/2006/relationships" xmlns:p="http://schemas.openxmlformats.org/presentationml/2006/main">
-  <p:cSld>
-    <p:spTree>
-      <p:nvGrpSpPr>
-        <p:cNvPr id="1" name=""/>
-        <p:cNvGrpSpPr/>
-        <p:nvPr/>
-      </p:nvGrpSpPr>
-      <p:grpSpPr>
-        <a:xfrm>
-          <a:off x="0" y="0"/>
-          <a:ext cx="0" cy="0"/>
-          <a:chOff x="0" y="0"/>
-          <a:chExt cx="0" cy="0"/>
-        </a:xfrm>
-      </p:grpSpPr>
-      <p:sp>
-        <p:nvSpPr>
-          <p:cNvPr id="2" name="제목 1">
-            <a:extLst>
-              <a:ext uri="{FF2B5EF4-FFF2-40B4-BE49-F238E27FC236}">
-                <a16:creationId xmlns:a16="http://schemas.microsoft.com/office/drawing/2014/main" id="{75ED4288-2D7A-0223-2B31-EBD3F94B52E0}"/>
-              </a:ext>
-            </a:extLst>
-          </p:cNvPr>
-          <p:cNvSpPr>
-            <a:spLocks noGrp="1"/>
-          </p:cNvSpPr>
-          <p:nvPr>
-            <p:ph type="title"/>
-          </p:nvPr>
-        </p:nvSpPr>
-        <p:spPr>
-          <a:xfrm>
-            <a:off x="838200" y="0"/>
-            <a:ext cx="10515600" cy="587829"/>
-          </a:xfrm>
-        </p:spPr>
-        <p:txBody>
-          <a:bodyPr>
-            <a:normAutofit/>
-          </a:bodyPr>
-          <a:lstStyle/>
-          <a:p>
-            <a:endParaRPr lang="ko-KR" altLang="en-US" sz="2800" dirty="0"/>
-          </a:p>
-        </p:txBody>
-      </p:sp>
-    </p:spTree>
-    <p:extLst>
-      <p:ext uri="{BB962C8B-B14F-4D97-AF65-F5344CB8AC3E}">
-        <p14:creationId xmlns:p14="http://schemas.microsoft.com/office/powerpoint/2010/main" val="3588794304"/>
+        <p14:creationId xmlns:p14="http://schemas.microsoft.com/office/powerpoint/2010/main" val="1084188476"/>
       </p:ext>
     </p:extLst>
   </p:cSld>

--- a/data/보고서 양식.pptx
+++ b/data/보고서 양식.pptx
@@ -12,6 +12,8 @@
     <p:sldId id="260" r:id="rId6"/>
     <p:sldId id="261" r:id="rId7"/>
     <p:sldId id="262" r:id="rId8"/>
+    <p:sldId id="263" r:id="rId9"/>
+    <p:sldId id="264" r:id="rId10"/>
   </p:sldIdLst>
   <p:sldSz cx="12192000" cy="6858000"/>
   <p:notesSz cx="6858000" cy="9144000"/>
@@ -265,7 +267,7 @@
           <a:p>
             <a:fld id="{FCDE12D8-C4E9-4DF6-B9EE-C1E2597188B0}" type="datetimeFigureOut">
               <a:rPr lang="ko-KR" altLang="en-US" smtClean="0"/>
-              <a:t>2023-09-22</a:t>
+              <a:t>2023-10-06</a:t>
             </a:fld>
             <a:endParaRPr lang="ko-KR" altLang="en-US"/>
           </a:p>
@@ -463,7 +465,7 @@
           <a:p>
             <a:fld id="{FCDE12D8-C4E9-4DF6-B9EE-C1E2597188B0}" type="datetimeFigureOut">
               <a:rPr lang="ko-KR" altLang="en-US" smtClean="0"/>
-              <a:t>2023-09-22</a:t>
+              <a:t>2023-10-06</a:t>
             </a:fld>
             <a:endParaRPr lang="ko-KR" altLang="en-US"/>
           </a:p>
@@ -671,7 +673,7 @@
           <a:p>
             <a:fld id="{FCDE12D8-C4E9-4DF6-B9EE-C1E2597188B0}" type="datetimeFigureOut">
               <a:rPr lang="ko-KR" altLang="en-US" smtClean="0"/>
-              <a:t>2023-09-22</a:t>
+              <a:t>2023-10-06</a:t>
             </a:fld>
             <a:endParaRPr lang="ko-KR" altLang="en-US"/>
           </a:p>
@@ -869,7 +871,7 @@
           <a:p>
             <a:fld id="{FCDE12D8-C4E9-4DF6-B9EE-C1E2597188B0}" type="datetimeFigureOut">
               <a:rPr lang="ko-KR" altLang="en-US" smtClean="0"/>
-              <a:t>2023-09-22</a:t>
+              <a:t>2023-10-06</a:t>
             </a:fld>
             <a:endParaRPr lang="ko-KR" altLang="en-US"/>
           </a:p>
@@ -1144,7 +1146,7 @@
           <a:p>
             <a:fld id="{FCDE12D8-C4E9-4DF6-B9EE-C1E2597188B0}" type="datetimeFigureOut">
               <a:rPr lang="ko-KR" altLang="en-US" smtClean="0"/>
-              <a:t>2023-09-22</a:t>
+              <a:t>2023-10-06</a:t>
             </a:fld>
             <a:endParaRPr lang="ko-KR" altLang="en-US"/>
           </a:p>
@@ -1409,7 +1411,7 @@
           <a:p>
             <a:fld id="{FCDE12D8-C4E9-4DF6-B9EE-C1E2597188B0}" type="datetimeFigureOut">
               <a:rPr lang="ko-KR" altLang="en-US" smtClean="0"/>
-              <a:t>2023-09-22</a:t>
+              <a:t>2023-10-06</a:t>
             </a:fld>
             <a:endParaRPr lang="ko-KR" altLang="en-US"/>
           </a:p>
@@ -1821,7 +1823,7 @@
           <a:p>
             <a:fld id="{FCDE12D8-C4E9-4DF6-B9EE-C1E2597188B0}" type="datetimeFigureOut">
               <a:rPr lang="ko-KR" altLang="en-US" smtClean="0"/>
-              <a:t>2023-09-22</a:t>
+              <a:t>2023-10-06</a:t>
             </a:fld>
             <a:endParaRPr lang="ko-KR" altLang="en-US"/>
           </a:p>
@@ -1962,7 +1964,7 @@
           <a:p>
             <a:fld id="{FCDE12D8-C4E9-4DF6-B9EE-C1E2597188B0}" type="datetimeFigureOut">
               <a:rPr lang="ko-KR" altLang="en-US" smtClean="0"/>
-              <a:t>2023-09-22</a:t>
+              <a:t>2023-10-06</a:t>
             </a:fld>
             <a:endParaRPr lang="ko-KR" altLang="en-US"/>
           </a:p>
@@ -2075,7 +2077,7 @@
           <a:p>
             <a:fld id="{FCDE12D8-C4E9-4DF6-B9EE-C1E2597188B0}" type="datetimeFigureOut">
               <a:rPr lang="ko-KR" altLang="en-US" smtClean="0"/>
-              <a:t>2023-09-22</a:t>
+              <a:t>2023-10-06</a:t>
             </a:fld>
             <a:endParaRPr lang="ko-KR" altLang="en-US"/>
           </a:p>
@@ -2386,7 +2388,7 @@
           <a:p>
             <a:fld id="{FCDE12D8-C4E9-4DF6-B9EE-C1E2597188B0}" type="datetimeFigureOut">
               <a:rPr lang="ko-KR" altLang="en-US" smtClean="0"/>
-              <a:t>2023-09-22</a:t>
+              <a:t>2023-10-06</a:t>
             </a:fld>
             <a:endParaRPr lang="ko-KR" altLang="en-US"/>
           </a:p>
@@ -2674,7 +2676,7 @@
           <a:p>
             <a:fld id="{FCDE12D8-C4E9-4DF6-B9EE-C1E2597188B0}" type="datetimeFigureOut">
               <a:rPr lang="ko-KR" altLang="en-US" smtClean="0"/>
-              <a:t>2023-09-22</a:t>
+              <a:t>2023-10-06</a:t>
             </a:fld>
             <a:endParaRPr lang="ko-KR" altLang="en-US"/>
           </a:p>
@@ -2915,7 +2917,7 @@
           <a:p>
             <a:fld id="{FCDE12D8-C4E9-4DF6-B9EE-C1E2597188B0}" type="datetimeFigureOut">
               <a:rPr lang="ko-KR" altLang="en-US" smtClean="0"/>
-              <a:t>2023-09-22</a:t>
+              <a:t>2023-10-06</a:t>
             </a:fld>
             <a:endParaRPr lang="ko-KR" altLang="en-US"/>
           </a:p>
@@ -3387,6 +3389,21 @@
           <a:p>
             <a:r>
               <a:rPr lang="ko-KR" altLang="en-US" dirty="0"/>
+              <a:t>학과</a:t>
+            </a:r>
+            <a:r>
+              <a:rPr lang="en-US" altLang="ko-KR"/>
+              <a:t>: </a:t>
+            </a:r>
+            <a:r>
+              <a:rPr lang="ko-KR" altLang="en-US"/>
+              <a:t>컴퓨터공학전공</a:t>
+            </a:r>
+            <a:endParaRPr lang="en-US" altLang="ko-KR"/>
+          </a:p>
+          <a:p>
+            <a:r>
+              <a:rPr lang="ko-KR" altLang="en-US" dirty="0"/>
               <a:t>학번</a:t>
             </a:r>
             <a:r>
@@ -3412,10 +3429,10 @@
       </p:sp>
       <p:grpSp>
         <p:nvGrpSpPr>
-          <p:cNvPr id="4" name="그룹 3">
-            <a:extLst>
-              <a:ext uri="{FF2B5EF4-FFF2-40B4-BE49-F238E27FC236}">
-                <a16:creationId xmlns:a16="http://schemas.microsoft.com/office/drawing/2014/main" id="{F9E13940-5210-90EF-D84F-28BC138D2E79}"/>
+          <p:cNvPr id="9" name="그룹 8">
+            <a:extLst>
+              <a:ext uri="{FF2B5EF4-FFF2-40B4-BE49-F238E27FC236}">
+                <a16:creationId xmlns:a16="http://schemas.microsoft.com/office/drawing/2014/main" id="{E5D81BB6-FEF7-B414-0883-10A6E92A4259}"/>
               </a:ext>
             </a:extLst>
           </p:cNvPr>
@@ -3424,34 +3441,36 @@
         </p:nvGrpSpPr>
         <p:grpSpPr>
           <a:xfrm>
-            <a:off x="2833437" y="356733"/>
-            <a:ext cx="6599321" cy="5798457"/>
-            <a:chOff x="2833437" y="356733"/>
-            <a:chExt cx="6599321" cy="5798457"/>
+            <a:off x="3415966" y="517358"/>
+            <a:ext cx="5360068" cy="5378116"/>
+            <a:chOff x="3415966" y="517358"/>
+            <a:chExt cx="5360068" cy="5378116"/>
           </a:xfrm>
         </p:grpSpPr>
         <p:sp>
           <p:nvSpPr>
-            <p:cNvPr id="5" name="화살표: 왼쪽/오른쪽/위쪽/아래쪽 4">
+            <p:cNvPr id="7" name="해 6">
               <a:extLst>
                 <a:ext uri="{FF2B5EF4-FFF2-40B4-BE49-F238E27FC236}">
-                  <a16:creationId xmlns:a16="http://schemas.microsoft.com/office/drawing/2014/main" id="{2606D949-D377-CA67-41DE-73ACA09D6E17}"/>
+                  <a16:creationId xmlns:a16="http://schemas.microsoft.com/office/drawing/2014/main" id="{43470BF0-92E9-60B6-975E-F916D20236B7}"/>
                 </a:ext>
               </a:extLst>
             </p:cNvPr>
-            <p:cNvSpPr/>
+            <p:cNvSpPr>
+              <a:spLocks/>
+            </p:cNvSpPr>
             <p:nvPr/>
           </p:nvSpPr>
           <p:spPr>
             <a:xfrm>
-              <a:off x="3193143" y="356733"/>
-              <a:ext cx="6037943" cy="5798457"/>
+              <a:off x="3415966" y="517358"/>
+              <a:ext cx="5360068" cy="5378116"/>
             </a:xfrm>
-            <a:prstGeom prst="quadArrow">
+            <a:prstGeom prst="sun">
               <a:avLst/>
             </a:prstGeom>
             <a:solidFill>
-              <a:srgbClr val="4472C4">
+              <a:srgbClr val="FF0000">
                 <a:alpha val="12157"/>
               </a:srgbClr>
             </a:solidFill>
@@ -3486,27 +3505,31 @@
         </p:sp>
         <p:sp>
           <p:nvSpPr>
-            <p:cNvPr id="6" name="곱하기 기호 5">
+            <p:cNvPr id="8" name="달 7">
               <a:extLst>
                 <a:ext uri="{FF2B5EF4-FFF2-40B4-BE49-F238E27FC236}">
-                  <a16:creationId xmlns:a16="http://schemas.microsoft.com/office/drawing/2014/main" id="{1FCC8D52-AA7D-3052-BD0B-E7670A36508E}"/>
+                  <a16:creationId xmlns:a16="http://schemas.microsoft.com/office/drawing/2014/main" id="{8BA356C8-DB65-C03B-214A-5D262DE45D2C}"/>
                 </a:ext>
               </a:extLst>
             </p:cNvPr>
-            <p:cNvSpPr/>
+            <p:cNvSpPr>
+              <a:spLocks/>
+            </p:cNvSpPr>
             <p:nvPr/>
           </p:nvSpPr>
           <p:spPr>
             <a:xfrm>
-              <a:off x="2833437" y="547437"/>
-              <a:ext cx="6599321" cy="5607753"/>
+              <a:off x="4752475" y="1852864"/>
+              <a:ext cx="1343525" cy="2689058"/>
             </a:xfrm>
-            <a:prstGeom prst="mathMultiply">
-              <a:avLst/>
+            <a:prstGeom prst="moon">
+              <a:avLst>
+                <a:gd name="adj" fmla="val 66917"/>
+              </a:avLst>
             </a:prstGeom>
             <a:solidFill>
-              <a:srgbClr val="9FE325">
-                <a:alpha val="25098"/>
+              <a:srgbClr val="D8EC1C">
+                <a:alpha val="18824"/>
               </a:srgbClr>
             </a:solidFill>
             <a:ln>
@@ -3601,135 +3624,6 @@
           </a:p>
         </p:txBody>
       </p:sp>
-      <p:grpSp>
-        <p:nvGrpSpPr>
-          <p:cNvPr id="3" name="그룹 2">
-            <a:extLst>
-              <a:ext uri="{FF2B5EF4-FFF2-40B4-BE49-F238E27FC236}">
-                <a16:creationId xmlns:a16="http://schemas.microsoft.com/office/drawing/2014/main" id="{D5C7AC1E-6701-5E71-746F-AB5F25312826}"/>
-              </a:ext>
-            </a:extLst>
-          </p:cNvPr>
-          <p:cNvGrpSpPr/>
-          <p:nvPr/>
-        </p:nvGrpSpPr>
-        <p:grpSpPr>
-          <a:xfrm>
-            <a:off x="2833437" y="356733"/>
-            <a:ext cx="6599321" cy="5798457"/>
-            <a:chOff x="2833437" y="356733"/>
-            <a:chExt cx="6599321" cy="5798457"/>
-          </a:xfrm>
-        </p:grpSpPr>
-        <p:sp>
-          <p:nvSpPr>
-            <p:cNvPr id="4" name="화살표: 왼쪽/오른쪽/위쪽/아래쪽 3">
-              <a:extLst>
-                <a:ext uri="{FF2B5EF4-FFF2-40B4-BE49-F238E27FC236}">
-                  <a16:creationId xmlns:a16="http://schemas.microsoft.com/office/drawing/2014/main" id="{D69D694E-119E-8DF9-915A-75B5B577E389}"/>
-                </a:ext>
-              </a:extLst>
-            </p:cNvPr>
-            <p:cNvSpPr/>
-            <p:nvPr/>
-          </p:nvSpPr>
-          <p:spPr>
-            <a:xfrm>
-              <a:off x="3193143" y="356733"/>
-              <a:ext cx="6037943" cy="5798457"/>
-            </a:xfrm>
-            <a:prstGeom prst="quadArrow">
-              <a:avLst/>
-            </a:prstGeom>
-            <a:solidFill>
-              <a:srgbClr val="4472C4">
-                <a:alpha val="12157"/>
-              </a:srgbClr>
-            </a:solidFill>
-            <a:ln>
-              <a:noFill/>
-            </a:ln>
-          </p:spPr>
-          <p:style>
-            <a:lnRef idx="2">
-              <a:schemeClr val="accent1">
-                <a:shade val="15000"/>
-              </a:schemeClr>
-            </a:lnRef>
-            <a:fillRef idx="1">
-              <a:schemeClr val="accent1"/>
-            </a:fillRef>
-            <a:effectRef idx="0">
-              <a:schemeClr val="accent1"/>
-            </a:effectRef>
-            <a:fontRef idx="minor">
-              <a:schemeClr val="lt1"/>
-            </a:fontRef>
-          </p:style>
-          <p:txBody>
-            <a:bodyPr rtlCol="0" anchor="ctr"/>
-            <a:lstStyle/>
-            <a:p>
-              <a:pPr algn="ctr"/>
-              <a:endParaRPr lang="ko-KR" altLang="en-US"/>
-            </a:p>
-          </p:txBody>
-        </p:sp>
-        <p:sp>
-          <p:nvSpPr>
-            <p:cNvPr id="5" name="곱하기 기호 4">
-              <a:extLst>
-                <a:ext uri="{FF2B5EF4-FFF2-40B4-BE49-F238E27FC236}">
-                  <a16:creationId xmlns:a16="http://schemas.microsoft.com/office/drawing/2014/main" id="{A3706F79-F1FA-3E88-BA0C-08CB0C14C115}"/>
-                </a:ext>
-              </a:extLst>
-            </p:cNvPr>
-            <p:cNvSpPr/>
-            <p:nvPr/>
-          </p:nvSpPr>
-          <p:spPr>
-            <a:xfrm>
-              <a:off x="2833437" y="547437"/>
-              <a:ext cx="6599321" cy="5607753"/>
-            </a:xfrm>
-            <a:prstGeom prst="mathMultiply">
-              <a:avLst/>
-            </a:prstGeom>
-            <a:solidFill>
-              <a:srgbClr val="9FE325">
-                <a:alpha val="25098"/>
-              </a:srgbClr>
-            </a:solidFill>
-            <a:ln>
-              <a:noFill/>
-            </a:ln>
-          </p:spPr>
-          <p:style>
-            <a:lnRef idx="2">
-              <a:schemeClr val="accent1">
-                <a:shade val="15000"/>
-              </a:schemeClr>
-            </a:lnRef>
-            <a:fillRef idx="1">
-              <a:schemeClr val="accent1"/>
-            </a:fillRef>
-            <a:effectRef idx="0">
-              <a:schemeClr val="accent1"/>
-            </a:effectRef>
-            <a:fontRef idx="minor">
-              <a:schemeClr val="lt1"/>
-            </a:fontRef>
-          </p:style>
-          <p:txBody>
-            <a:bodyPr rtlCol="0" anchor="ctr"/>
-            <a:lstStyle/>
-            <a:p>
-              <a:pPr algn="ctr"/>
-              <a:endParaRPr lang="ko-KR" altLang="en-US"/>
-            </a:p>
-          </p:txBody>
-        </p:sp>
-      </p:grpSp>
     </p:spTree>
     <p:extLst>
       <p:ext uri="{BB962C8B-B14F-4D97-AF65-F5344CB8AC3E}">
@@ -3792,139 +3686,10 @@
           </a:p>
         </p:txBody>
       </p:sp>
-      <p:grpSp>
-        <p:nvGrpSpPr>
-          <p:cNvPr id="3" name="그룹 2">
-            <a:extLst>
-              <a:ext uri="{FF2B5EF4-FFF2-40B4-BE49-F238E27FC236}">
-                <a16:creationId xmlns:a16="http://schemas.microsoft.com/office/drawing/2014/main" id="{D5C7AC1E-6701-5E71-746F-AB5F25312826}"/>
-              </a:ext>
-            </a:extLst>
-          </p:cNvPr>
-          <p:cNvGrpSpPr/>
-          <p:nvPr/>
-        </p:nvGrpSpPr>
-        <p:grpSpPr>
-          <a:xfrm>
-            <a:off x="2833437" y="356733"/>
-            <a:ext cx="6599321" cy="5798457"/>
-            <a:chOff x="2833437" y="356733"/>
-            <a:chExt cx="6599321" cy="5798457"/>
-          </a:xfrm>
-        </p:grpSpPr>
-        <p:sp>
-          <p:nvSpPr>
-            <p:cNvPr id="4" name="화살표: 왼쪽/오른쪽/위쪽/아래쪽 3">
-              <a:extLst>
-                <a:ext uri="{FF2B5EF4-FFF2-40B4-BE49-F238E27FC236}">
-                  <a16:creationId xmlns:a16="http://schemas.microsoft.com/office/drawing/2014/main" id="{D69D694E-119E-8DF9-915A-75B5B577E389}"/>
-                </a:ext>
-              </a:extLst>
-            </p:cNvPr>
-            <p:cNvSpPr/>
-            <p:nvPr/>
-          </p:nvSpPr>
-          <p:spPr>
-            <a:xfrm>
-              <a:off x="3193143" y="356733"/>
-              <a:ext cx="6037943" cy="5798457"/>
-            </a:xfrm>
-            <a:prstGeom prst="quadArrow">
-              <a:avLst/>
-            </a:prstGeom>
-            <a:solidFill>
-              <a:srgbClr val="4472C4">
-                <a:alpha val="12157"/>
-              </a:srgbClr>
-            </a:solidFill>
-            <a:ln>
-              <a:noFill/>
-            </a:ln>
-          </p:spPr>
-          <p:style>
-            <a:lnRef idx="2">
-              <a:schemeClr val="accent1">
-                <a:shade val="15000"/>
-              </a:schemeClr>
-            </a:lnRef>
-            <a:fillRef idx="1">
-              <a:schemeClr val="accent1"/>
-            </a:fillRef>
-            <a:effectRef idx="0">
-              <a:schemeClr val="accent1"/>
-            </a:effectRef>
-            <a:fontRef idx="minor">
-              <a:schemeClr val="lt1"/>
-            </a:fontRef>
-          </p:style>
-          <p:txBody>
-            <a:bodyPr rtlCol="0" anchor="ctr"/>
-            <a:lstStyle/>
-            <a:p>
-              <a:pPr algn="ctr"/>
-              <a:endParaRPr lang="ko-KR" altLang="en-US"/>
-            </a:p>
-          </p:txBody>
-        </p:sp>
-        <p:sp>
-          <p:nvSpPr>
-            <p:cNvPr id="5" name="곱하기 기호 4">
-              <a:extLst>
-                <a:ext uri="{FF2B5EF4-FFF2-40B4-BE49-F238E27FC236}">
-                  <a16:creationId xmlns:a16="http://schemas.microsoft.com/office/drawing/2014/main" id="{A3706F79-F1FA-3E88-BA0C-08CB0C14C115}"/>
-                </a:ext>
-              </a:extLst>
-            </p:cNvPr>
-            <p:cNvSpPr/>
-            <p:nvPr/>
-          </p:nvSpPr>
-          <p:spPr>
-            <a:xfrm>
-              <a:off x="2833437" y="547437"/>
-              <a:ext cx="6599321" cy="5607753"/>
-            </a:xfrm>
-            <a:prstGeom prst="mathMultiply">
-              <a:avLst/>
-            </a:prstGeom>
-            <a:solidFill>
-              <a:srgbClr val="9FE325">
-                <a:alpha val="25098"/>
-              </a:srgbClr>
-            </a:solidFill>
-            <a:ln>
-              <a:noFill/>
-            </a:ln>
-          </p:spPr>
-          <p:style>
-            <a:lnRef idx="2">
-              <a:schemeClr val="accent1">
-                <a:shade val="15000"/>
-              </a:schemeClr>
-            </a:lnRef>
-            <a:fillRef idx="1">
-              <a:schemeClr val="accent1"/>
-            </a:fillRef>
-            <a:effectRef idx="0">
-              <a:schemeClr val="accent1"/>
-            </a:effectRef>
-            <a:fontRef idx="minor">
-              <a:schemeClr val="lt1"/>
-            </a:fontRef>
-          </p:style>
-          <p:txBody>
-            <a:bodyPr rtlCol="0" anchor="ctr"/>
-            <a:lstStyle/>
-            <a:p>
-              <a:pPr algn="ctr"/>
-              <a:endParaRPr lang="ko-KR" altLang="en-US"/>
-            </a:p>
-          </p:txBody>
-        </p:sp>
-      </p:grpSp>
     </p:spTree>
     <p:extLst>
       <p:ext uri="{BB962C8B-B14F-4D97-AF65-F5344CB8AC3E}">
-        <p14:creationId xmlns:p14="http://schemas.microsoft.com/office/powerpoint/2010/main" val="3111082839"/>
+        <p14:creationId xmlns:p14="http://schemas.microsoft.com/office/powerpoint/2010/main" val="3239940014"/>
       </p:ext>
     </p:extLst>
   </p:cSld>
@@ -3983,139 +3748,10 @@
           </a:p>
         </p:txBody>
       </p:sp>
-      <p:grpSp>
-        <p:nvGrpSpPr>
-          <p:cNvPr id="3" name="그룹 2">
-            <a:extLst>
-              <a:ext uri="{FF2B5EF4-FFF2-40B4-BE49-F238E27FC236}">
-                <a16:creationId xmlns:a16="http://schemas.microsoft.com/office/drawing/2014/main" id="{D5C7AC1E-6701-5E71-746F-AB5F25312826}"/>
-              </a:ext>
-            </a:extLst>
-          </p:cNvPr>
-          <p:cNvGrpSpPr/>
-          <p:nvPr/>
-        </p:nvGrpSpPr>
-        <p:grpSpPr>
-          <a:xfrm>
-            <a:off x="2833437" y="356733"/>
-            <a:ext cx="6599321" cy="5798457"/>
-            <a:chOff x="2833437" y="356733"/>
-            <a:chExt cx="6599321" cy="5798457"/>
-          </a:xfrm>
-        </p:grpSpPr>
-        <p:sp>
-          <p:nvSpPr>
-            <p:cNvPr id="4" name="화살표: 왼쪽/오른쪽/위쪽/아래쪽 3">
-              <a:extLst>
-                <a:ext uri="{FF2B5EF4-FFF2-40B4-BE49-F238E27FC236}">
-                  <a16:creationId xmlns:a16="http://schemas.microsoft.com/office/drawing/2014/main" id="{D69D694E-119E-8DF9-915A-75B5B577E389}"/>
-                </a:ext>
-              </a:extLst>
-            </p:cNvPr>
-            <p:cNvSpPr/>
-            <p:nvPr/>
-          </p:nvSpPr>
-          <p:spPr>
-            <a:xfrm>
-              <a:off x="3193143" y="356733"/>
-              <a:ext cx="6037943" cy="5798457"/>
-            </a:xfrm>
-            <a:prstGeom prst="quadArrow">
-              <a:avLst/>
-            </a:prstGeom>
-            <a:solidFill>
-              <a:srgbClr val="4472C4">
-                <a:alpha val="12157"/>
-              </a:srgbClr>
-            </a:solidFill>
-            <a:ln>
-              <a:noFill/>
-            </a:ln>
-          </p:spPr>
-          <p:style>
-            <a:lnRef idx="2">
-              <a:schemeClr val="accent1">
-                <a:shade val="15000"/>
-              </a:schemeClr>
-            </a:lnRef>
-            <a:fillRef idx="1">
-              <a:schemeClr val="accent1"/>
-            </a:fillRef>
-            <a:effectRef idx="0">
-              <a:schemeClr val="accent1"/>
-            </a:effectRef>
-            <a:fontRef idx="minor">
-              <a:schemeClr val="lt1"/>
-            </a:fontRef>
-          </p:style>
-          <p:txBody>
-            <a:bodyPr rtlCol="0" anchor="ctr"/>
-            <a:lstStyle/>
-            <a:p>
-              <a:pPr algn="ctr"/>
-              <a:endParaRPr lang="ko-KR" altLang="en-US"/>
-            </a:p>
-          </p:txBody>
-        </p:sp>
-        <p:sp>
-          <p:nvSpPr>
-            <p:cNvPr id="5" name="곱하기 기호 4">
-              <a:extLst>
-                <a:ext uri="{FF2B5EF4-FFF2-40B4-BE49-F238E27FC236}">
-                  <a16:creationId xmlns:a16="http://schemas.microsoft.com/office/drawing/2014/main" id="{A3706F79-F1FA-3E88-BA0C-08CB0C14C115}"/>
-                </a:ext>
-              </a:extLst>
-            </p:cNvPr>
-            <p:cNvSpPr/>
-            <p:nvPr/>
-          </p:nvSpPr>
-          <p:spPr>
-            <a:xfrm>
-              <a:off x="2833437" y="547437"/>
-              <a:ext cx="6599321" cy="5607753"/>
-            </a:xfrm>
-            <a:prstGeom prst="mathMultiply">
-              <a:avLst/>
-            </a:prstGeom>
-            <a:solidFill>
-              <a:srgbClr val="9FE325">
-                <a:alpha val="25098"/>
-              </a:srgbClr>
-            </a:solidFill>
-            <a:ln>
-              <a:noFill/>
-            </a:ln>
-          </p:spPr>
-          <p:style>
-            <a:lnRef idx="2">
-              <a:schemeClr val="accent1">
-                <a:shade val="15000"/>
-              </a:schemeClr>
-            </a:lnRef>
-            <a:fillRef idx="1">
-              <a:schemeClr val="accent1"/>
-            </a:fillRef>
-            <a:effectRef idx="0">
-              <a:schemeClr val="accent1"/>
-            </a:effectRef>
-            <a:fontRef idx="minor">
-              <a:schemeClr val="lt1"/>
-            </a:fontRef>
-          </p:style>
-          <p:txBody>
-            <a:bodyPr rtlCol="0" anchor="ctr"/>
-            <a:lstStyle/>
-            <a:p>
-              <a:pPr algn="ctr"/>
-              <a:endParaRPr lang="ko-KR" altLang="en-US"/>
-            </a:p>
-          </p:txBody>
-        </p:sp>
-      </p:grpSp>
     </p:spTree>
     <p:extLst>
       <p:ext uri="{BB962C8B-B14F-4D97-AF65-F5344CB8AC3E}">
-        <p14:creationId xmlns:p14="http://schemas.microsoft.com/office/powerpoint/2010/main" val="848235143"/>
+        <p14:creationId xmlns:p14="http://schemas.microsoft.com/office/powerpoint/2010/main" val="2145728852"/>
       </p:ext>
     </p:extLst>
   </p:cSld>
@@ -4174,139 +3810,10 @@
           </a:p>
         </p:txBody>
       </p:sp>
-      <p:grpSp>
-        <p:nvGrpSpPr>
-          <p:cNvPr id="3" name="그룹 2">
-            <a:extLst>
-              <a:ext uri="{FF2B5EF4-FFF2-40B4-BE49-F238E27FC236}">
-                <a16:creationId xmlns:a16="http://schemas.microsoft.com/office/drawing/2014/main" id="{D5C7AC1E-6701-5E71-746F-AB5F25312826}"/>
-              </a:ext>
-            </a:extLst>
-          </p:cNvPr>
-          <p:cNvGrpSpPr/>
-          <p:nvPr/>
-        </p:nvGrpSpPr>
-        <p:grpSpPr>
-          <a:xfrm>
-            <a:off x="2833437" y="356733"/>
-            <a:ext cx="6599321" cy="5798457"/>
-            <a:chOff x="2833437" y="356733"/>
-            <a:chExt cx="6599321" cy="5798457"/>
-          </a:xfrm>
-        </p:grpSpPr>
-        <p:sp>
-          <p:nvSpPr>
-            <p:cNvPr id="4" name="화살표: 왼쪽/오른쪽/위쪽/아래쪽 3">
-              <a:extLst>
-                <a:ext uri="{FF2B5EF4-FFF2-40B4-BE49-F238E27FC236}">
-                  <a16:creationId xmlns:a16="http://schemas.microsoft.com/office/drawing/2014/main" id="{D69D694E-119E-8DF9-915A-75B5B577E389}"/>
-                </a:ext>
-              </a:extLst>
-            </p:cNvPr>
-            <p:cNvSpPr/>
-            <p:nvPr/>
-          </p:nvSpPr>
-          <p:spPr>
-            <a:xfrm>
-              <a:off x="3193143" y="356733"/>
-              <a:ext cx="6037943" cy="5798457"/>
-            </a:xfrm>
-            <a:prstGeom prst="quadArrow">
-              <a:avLst/>
-            </a:prstGeom>
-            <a:solidFill>
-              <a:srgbClr val="4472C4">
-                <a:alpha val="12157"/>
-              </a:srgbClr>
-            </a:solidFill>
-            <a:ln>
-              <a:noFill/>
-            </a:ln>
-          </p:spPr>
-          <p:style>
-            <a:lnRef idx="2">
-              <a:schemeClr val="accent1">
-                <a:shade val="15000"/>
-              </a:schemeClr>
-            </a:lnRef>
-            <a:fillRef idx="1">
-              <a:schemeClr val="accent1"/>
-            </a:fillRef>
-            <a:effectRef idx="0">
-              <a:schemeClr val="accent1"/>
-            </a:effectRef>
-            <a:fontRef idx="minor">
-              <a:schemeClr val="lt1"/>
-            </a:fontRef>
-          </p:style>
-          <p:txBody>
-            <a:bodyPr rtlCol="0" anchor="ctr"/>
-            <a:lstStyle/>
-            <a:p>
-              <a:pPr algn="ctr"/>
-              <a:endParaRPr lang="ko-KR" altLang="en-US"/>
-            </a:p>
-          </p:txBody>
-        </p:sp>
-        <p:sp>
-          <p:nvSpPr>
-            <p:cNvPr id="5" name="곱하기 기호 4">
-              <a:extLst>
-                <a:ext uri="{FF2B5EF4-FFF2-40B4-BE49-F238E27FC236}">
-                  <a16:creationId xmlns:a16="http://schemas.microsoft.com/office/drawing/2014/main" id="{A3706F79-F1FA-3E88-BA0C-08CB0C14C115}"/>
-                </a:ext>
-              </a:extLst>
-            </p:cNvPr>
-            <p:cNvSpPr/>
-            <p:nvPr/>
-          </p:nvSpPr>
-          <p:spPr>
-            <a:xfrm>
-              <a:off x="2833437" y="547437"/>
-              <a:ext cx="6599321" cy="5607753"/>
-            </a:xfrm>
-            <a:prstGeom prst="mathMultiply">
-              <a:avLst/>
-            </a:prstGeom>
-            <a:solidFill>
-              <a:srgbClr val="9FE325">
-                <a:alpha val="25098"/>
-              </a:srgbClr>
-            </a:solidFill>
-            <a:ln>
-              <a:noFill/>
-            </a:ln>
-          </p:spPr>
-          <p:style>
-            <a:lnRef idx="2">
-              <a:schemeClr val="accent1">
-                <a:shade val="15000"/>
-              </a:schemeClr>
-            </a:lnRef>
-            <a:fillRef idx="1">
-              <a:schemeClr val="accent1"/>
-            </a:fillRef>
-            <a:effectRef idx="0">
-              <a:schemeClr val="accent1"/>
-            </a:effectRef>
-            <a:fontRef idx="minor">
-              <a:schemeClr val="lt1"/>
-            </a:fontRef>
-          </p:style>
-          <p:txBody>
-            <a:bodyPr rtlCol="0" anchor="ctr"/>
-            <a:lstStyle/>
-            <a:p>
-              <a:pPr algn="ctr"/>
-              <a:endParaRPr lang="ko-KR" altLang="en-US"/>
-            </a:p>
-          </p:txBody>
-        </p:sp>
-      </p:grpSp>
     </p:spTree>
     <p:extLst>
       <p:ext uri="{BB962C8B-B14F-4D97-AF65-F5344CB8AC3E}">
-        <p14:creationId xmlns:p14="http://schemas.microsoft.com/office/powerpoint/2010/main" val="1803831321"/>
+        <p14:creationId xmlns:p14="http://schemas.microsoft.com/office/powerpoint/2010/main" val="3730886672"/>
       </p:ext>
     </p:extLst>
   </p:cSld>
@@ -4365,139 +3872,10 @@
           </a:p>
         </p:txBody>
       </p:sp>
-      <p:grpSp>
-        <p:nvGrpSpPr>
-          <p:cNvPr id="3" name="그룹 2">
-            <a:extLst>
-              <a:ext uri="{FF2B5EF4-FFF2-40B4-BE49-F238E27FC236}">
-                <a16:creationId xmlns:a16="http://schemas.microsoft.com/office/drawing/2014/main" id="{D5C7AC1E-6701-5E71-746F-AB5F25312826}"/>
-              </a:ext>
-            </a:extLst>
-          </p:cNvPr>
-          <p:cNvGrpSpPr/>
-          <p:nvPr/>
-        </p:nvGrpSpPr>
-        <p:grpSpPr>
-          <a:xfrm>
-            <a:off x="2833437" y="356733"/>
-            <a:ext cx="6599321" cy="5798457"/>
-            <a:chOff x="2833437" y="356733"/>
-            <a:chExt cx="6599321" cy="5798457"/>
-          </a:xfrm>
-        </p:grpSpPr>
-        <p:sp>
-          <p:nvSpPr>
-            <p:cNvPr id="4" name="화살표: 왼쪽/오른쪽/위쪽/아래쪽 3">
-              <a:extLst>
-                <a:ext uri="{FF2B5EF4-FFF2-40B4-BE49-F238E27FC236}">
-                  <a16:creationId xmlns:a16="http://schemas.microsoft.com/office/drawing/2014/main" id="{D69D694E-119E-8DF9-915A-75B5B577E389}"/>
-                </a:ext>
-              </a:extLst>
-            </p:cNvPr>
-            <p:cNvSpPr/>
-            <p:nvPr/>
-          </p:nvSpPr>
-          <p:spPr>
-            <a:xfrm>
-              <a:off x="3193143" y="356733"/>
-              <a:ext cx="6037943" cy="5798457"/>
-            </a:xfrm>
-            <a:prstGeom prst="quadArrow">
-              <a:avLst/>
-            </a:prstGeom>
-            <a:solidFill>
-              <a:srgbClr val="4472C4">
-                <a:alpha val="12157"/>
-              </a:srgbClr>
-            </a:solidFill>
-            <a:ln>
-              <a:noFill/>
-            </a:ln>
-          </p:spPr>
-          <p:style>
-            <a:lnRef idx="2">
-              <a:schemeClr val="accent1">
-                <a:shade val="15000"/>
-              </a:schemeClr>
-            </a:lnRef>
-            <a:fillRef idx="1">
-              <a:schemeClr val="accent1"/>
-            </a:fillRef>
-            <a:effectRef idx="0">
-              <a:schemeClr val="accent1"/>
-            </a:effectRef>
-            <a:fontRef idx="minor">
-              <a:schemeClr val="lt1"/>
-            </a:fontRef>
-          </p:style>
-          <p:txBody>
-            <a:bodyPr rtlCol="0" anchor="ctr"/>
-            <a:lstStyle/>
-            <a:p>
-              <a:pPr algn="ctr"/>
-              <a:endParaRPr lang="ko-KR" altLang="en-US"/>
-            </a:p>
-          </p:txBody>
-        </p:sp>
-        <p:sp>
-          <p:nvSpPr>
-            <p:cNvPr id="5" name="곱하기 기호 4">
-              <a:extLst>
-                <a:ext uri="{FF2B5EF4-FFF2-40B4-BE49-F238E27FC236}">
-                  <a16:creationId xmlns:a16="http://schemas.microsoft.com/office/drawing/2014/main" id="{A3706F79-F1FA-3E88-BA0C-08CB0C14C115}"/>
-                </a:ext>
-              </a:extLst>
-            </p:cNvPr>
-            <p:cNvSpPr/>
-            <p:nvPr/>
-          </p:nvSpPr>
-          <p:spPr>
-            <a:xfrm>
-              <a:off x="2833437" y="547437"/>
-              <a:ext cx="6599321" cy="5607753"/>
-            </a:xfrm>
-            <a:prstGeom prst="mathMultiply">
-              <a:avLst/>
-            </a:prstGeom>
-            <a:solidFill>
-              <a:srgbClr val="9FE325">
-                <a:alpha val="25098"/>
-              </a:srgbClr>
-            </a:solidFill>
-            <a:ln>
-              <a:noFill/>
-            </a:ln>
-          </p:spPr>
-          <p:style>
-            <a:lnRef idx="2">
-              <a:schemeClr val="accent1">
-                <a:shade val="15000"/>
-              </a:schemeClr>
-            </a:lnRef>
-            <a:fillRef idx="1">
-              <a:schemeClr val="accent1"/>
-            </a:fillRef>
-            <a:effectRef idx="0">
-              <a:schemeClr val="accent1"/>
-            </a:effectRef>
-            <a:fontRef idx="minor">
-              <a:schemeClr val="lt1"/>
-            </a:fontRef>
-          </p:style>
-          <p:txBody>
-            <a:bodyPr rtlCol="0" anchor="ctr"/>
-            <a:lstStyle/>
-            <a:p>
-              <a:pPr algn="ctr"/>
-              <a:endParaRPr lang="ko-KR" altLang="en-US"/>
-            </a:p>
-          </p:txBody>
-        </p:sp>
-      </p:grpSp>
     </p:spTree>
     <p:extLst>
       <p:ext uri="{BB962C8B-B14F-4D97-AF65-F5344CB8AC3E}">
-        <p14:creationId xmlns:p14="http://schemas.microsoft.com/office/powerpoint/2010/main" val="151967886"/>
+        <p14:creationId xmlns:p14="http://schemas.microsoft.com/office/powerpoint/2010/main" val="2335757660"/>
       </p:ext>
     </p:extLst>
   </p:cSld>
@@ -4556,139 +3934,134 @@
           </a:p>
         </p:txBody>
       </p:sp>
-      <p:grpSp>
-        <p:nvGrpSpPr>
-          <p:cNvPr id="3" name="그룹 2">
-            <a:extLst>
-              <a:ext uri="{FF2B5EF4-FFF2-40B4-BE49-F238E27FC236}">
-                <a16:creationId xmlns:a16="http://schemas.microsoft.com/office/drawing/2014/main" id="{D5C7AC1E-6701-5E71-746F-AB5F25312826}"/>
-              </a:ext>
-            </a:extLst>
-          </p:cNvPr>
-          <p:cNvGrpSpPr/>
-          <p:nvPr/>
-        </p:nvGrpSpPr>
-        <p:grpSpPr>
-          <a:xfrm>
-            <a:off x="2833437" y="356733"/>
-            <a:ext cx="6599321" cy="5798457"/>
-            <a:chOff x="2833437" y="356733"/>
-            <a:chExt cx="6599321" cy="5798457"/>
-          </a:xfrm>
-        </p:grpSpPr>
-        <p:sp>
-          <p:nvSpPr>
-            <p:cNvPr id="4" name="화살표: 왼쪽/오른쪽/위쪽/아래쪽 3">
-              <a:extLst>
-                <a:ext uri="{FF2B5EF4-FFF2-40B4-BE49-F238E27FC236}">
-                  <a16:creationId xmlns:a16="http://schemas.microsoft.com/office/drawing/2014/main" id="{D69D694E-119E-8DF9-915A-75B5B577E389}"/>
-                </a:ext>
-              </a:extLst>
-            </p:cNvPr>
-            <p:cNvSpPr/>
-            <p:nvPr/>
-          </p:nvSpPr>
-          <p:spPr>
-            <a:xfrm>
-              <a:off x="3193143" y="356733"/>
-              <a:ext cx="6037943" cy="5798457"/>
-            </a:xfrm>
-            <a:prstGeom prst="quadArrow">
-              <a:avLst/>
-            </a:prstGeom>
-            <a:solidFill>
-              <a:srgbClr val="4472C4">
-                <a:alpha val="12157"/>
-              </a:srgbClr>
-            </a:solidFill>
-            <a:ln>
-              <a:noFill/>
-            </a:ln>
-          </p:spPr>
-          <p:style>
-            <a:lnRef idx="2">
-              <a:schemeClr val="accent1">
-                <a:shade val="15000"/>
-              </a:schemeClr>
-            </a:lnRef>
-            <a:fillRef idx="1">
-              <a:schemeClr val="accent1"/>
-            </a:fillRef>
-            <a:effectRef idx="0">
-              <a:schemeClr val="accent1"/>
-            </a:effectRef>
-            <a:fontRef idx="minor">
-              <a:schemeClr val="lt1"/>
-            </a:fontRef>
-          </p:style>
-          <p:txBody>
-            <a:bodyPr rtlCol="0" anchor="ctr"/>
-            <a:lstStyle/>
-            <a:p>
-              <a:pPr algn="ctr"/>
-              <a:endParaRPr lang="ko-KR" altLang="en-US"/>
-            </a:p>
-          </p:txBody>
-        </p:sp>
-        <p:sp>
-          <p:nvSpPr>
-            <p:cNvPr id="5" name="곱하기 기호 4">
-              <a:extLst>
-                <a:ext uri="{FF2B5EF4-FFF2-40B4-BE49-F238E27FC236}">
-                  <a16:creationId xmlns:a16="http://schemas.microsoft.com/office/drawing/2014/main" id="{A3706F79-F1FA-3E88-BA0C-08CB0C14C115}"/>
-                </a:ext>
-              </a:extLst>
-            </p:cNvPr>
-            <p:cNvSpPr/>
-            <p:nvPr/>
-          </p:nvSpPr>
-          <p:spPr>
-            <a:xfrm>
-              <a:off x="2833437" y="547437"/>
-              <a:ext cx="6599321" cy="5607753"/>
-            </a:xfrm>
-            <a:prstGeom prst="mathMultiply">
-              <a:avLst/>
-            </a:prstGeom>
-            <a:solidFill>
-              <a:srgbClr val="9FE325">
-                <a:alpha val="25098"/>
-              </a:srgbClr>
-            </a:solidFill>
-            <a:ln>
-              <a:noFill/>
-            </a:ln>
-          </p:spPr>
-          <p:style>
-            <a:lnRef idx="2">
-              <a:schemeClr val="accent1">
-                <a:shade val="15000"/>
-              </a:schemeClr>
-            </a:lnRef>
-            <a:fillRef idx="1">
-              <a:schemeClr val="accent1"/>
-            </a:fillRef>
-            <a:effectRef idx="0">
-              <a:schemeClr val="accent1"/>
-            </a:effectRef>
-            <a:fontRef idx="minor">
-              <a:schemeClr val="lt1"/>
-            </a:fontRef>
-          </p:style>
-          <p:txBody>
-            <a:bodyPr rtlCol="0" anchor="ctr"/>
-            <a:lstStyle/>
-            <a:p>
-              <a:pPr algn="ctr"/>
-              <a:endParaRPr lang="ko-KR" altLang="en-US"/>
-            </a:p>
-          </p:txBody>
-        </p:sp>
-      </p:grpSp>
     </p:spTree>
     <p:extLst>
       <p:ext uri="{BB962C8B-B14F-4D97-AF65-F5344CB8AC3E}">
-        <p14:creationId xmlns:p14="http://schemas.microsoft.com/office/powerpoint/2010/main" val="1084188476"/>
+        <p14:creationId xmlns:p14="http://schemas.microsoft.com/office/powerpoint/2010/main" val="3026561075"/>
+      </p:ext>
+    </p:extLst>
+  </p:cSld>
+  <p:clrMapOvr>
+    <a:masterClrMapping/>
+  </p:clrMapOvr>
+</p:sld>
+</file>
+
+<file path=ppt/slides/slide8.xml><?xml version="1.0" encoding="utf-8"?>
+<p:sld xmlns:a="http://schemas.openxmlformats.org/drawingml/2006/main" xmlns:r="http://schemas.openxmlformats.org/officeDocument/2006/relationships" xmlns:p="http://schemas.openxmlformats.org/presentationml/2006/main">
+  <p:cSld>
+    <p:spTree>
+      <p:nvGrpSpPr>
+        <p:cNvPr id="1" name=""/>
+        <p:cNvGrpSpPr/>
+        <p:nvPr/>
+      </p:nvGrpSpPr>
+      <p:grpSpPr>
+        <a:xfrm>
+          <a:off x="0" y="0"/>
+          <a:ext cx="0" cy="0"/>
+          <a:chOff x="0" y="0"/>
+          <a:chExt cx="0" cy="0"/>
+        </a:xfrm>
+      </p:grpSpPr>
+      <p:sp>
+        <p:nvSpPr>
+          <p:cNvPr id="2" name="제목 1">
+            <a:extLst>
+              <a:ext uri="{FF2B5EF4-FFF2-40B4-BE49-F238E27FC236}">
+                <a16:creationId xmlns:a16="http://schemas.microsoft.com/office/drawing/2014/main" id="{75ED4288-2D7A-0223-2B31-EBD3F94B52E0}"/>
+              </a:ext>
+            </a:extLst>
+          </p:cNvPr>
+          <p:cNvSpPr>
+            <a:spLocks noGrp="1"/>
+          </p:cNvSpPr>
+          <p:nvPr>
+            <p:ph type="title"/>
+          </p:nvPr>
+        </p:nvSpPr>
+        <p:spPr>
+          <a:xfrm>
+            <a:off x="838200" y="0"/>
+            <a:ext cx="10515600" cy="587829"/>
+          </a:xfrm>
+        </p:spPr>
+        <p:txBody>
+          <a:bodyPr>
+            <a:normAutofit/>
+          </a:bodyPr>
+          <a:lstStyle/>
+          <a:p>
+            <a:endParaRPr lang="ko-KR" altLang="en-US" sz="2800" dirty="0"/>
+          </a:p>
+        </p:txBody>
+      </p:sp>
+    </p:spTree>
+    <p:extLst>
+      <p:ext uri="{BB962C8B-B14F-4D97-AF65-F5344CB8AC3E}">
+        <p14:creationId xmlns:p14="http://schemas.microsoft.com/office/powerpoint/2010/main" val="393596287"/>
+      </p:ext>
+    </p:extLst>
+  </p:cSld>
+  <p:clrMapOvr>
+    <a:masterClrMapping/>
+  </p:clrMapOvr>
+</p:sld>
+</file>
+
+<file path=ppt/slides/slide9.xml><?xml version="1.0" encoding="utf-8"?>
+<p:sld xmlns:a="http://schemas.openxmlformats.org/drawingml/2006/main" xmlns:r="http://schemas.openxmlformats.org/officeDocument/2006/relationships" xmlns:p="http://schemas.openxmlformats.org/presentationml/2006/main">
+  <p:cSld>
+    <p:spTree>
+      <p:nvGrpSpPr>
+        <p:cNvPr id="1" name=""/>
+        <p:cNvGrpSpPr/>
+        <p:nvPr/>
+      </p:nvGrpSpPr>
+      <p:grpSpPr>
+        <a:xfrm>
+          <a:off x="0" y="0"/>
+          <a:ext cx="0" cy="0"/>
+          <a:chOff x="0" y="0"/>
+          <a:chExt cx="0" cy="0"/>
+        </a:xfrm>
+      </p:grpSpPr>
+      <p:sp>
+        <p:nvSpPr>
+          <p:cNvPr id="2" name="제목 1">
+            <a:extLst>
+              <a:ext uri="{FF2B5EF4-FFF2-40B4-BE49-F238E27FC236}">
+                <a16:creationId xmlns:a16="http://schemas.microsoft.com/office/drawing/2014/main" id="{75ED4288-2D7A-0223-2B31-EBD3F94B52E0}"/>
+              </a:ext>
+            </a:extLst>
+          </p:cNvPr>
+          <p:cNvSpPr>
+            <a:spLocks noGrp="1"/>
+          </p:cNvSpPr>
+          <p:nvPr>
+            <p:ph type="title"/>
+          </p:nvPr>
+        </p:nvSpPr>
+        <p:spPr>
+          <a:xfrm>
+            <a:off x="838200" y="0"/>
+            <a:ext cx="10515600" cy="587829"/>
+          </a:xfrm>
+        </p:spPr>
+        <p:txBody>
+          <a:bodyPr>
+            <a:normAutofit/>
+          </a:bodyPr>
+          <a:lstStyle/>
+          <a:p>
+            <a:endParaRPr lang="ko-KR" altLang="en-US" sz="2800" dirty="0"/>
+          </a:p>
+        </p:txBody>
+      </p:sp>
+    </p:spTree>
+    <p:extLst>
+      <p:ext uri="{BB962C8B-B14F-4D97-AF65-F5344CB8AC3E}">
+        <p14:creationId xmlns:p14="http://schemas.microsoft.com/office/powerpoint/2010/main" val="2961760039"/>
       </p:ext>
     </p:extLst>
   </p:cSld>
